--- a/LondonCrimeData.pptx
+++ b/LondonCrimeData.pptx
@@ -7,8 +7,9 @@
   <p:sldIdLst>
     <p:sldId id="256" r:id="rId2"/>
     <p:sldId id="257" r:id="rId3"/>
-    <p:sldId id="258" r:id="rId4"/>
-    <p:sldId id="259" r:id="rId5"/>
+    <p:sldId id="260" r:id="rId4"/>
+    <p:sldId id="258" r:id="rId5"/>
+    <p:sldId id="259" r:id="rId6"/>
   </p:sldIdLst>
   <p:sldSz cx="12192000" cy="6858000"/>
   <p:notesSz cx="6858000" cy="9144000"/>
@@ -107,6 +108,11 @@
       </a:defRPr>
     </a:lvl9pPr>
   </p:defaultTextStyle>
+  <p:extLst>
+    <p:ext uri="{EFAFB233-063F-42B5-8137-9DF3F51BA10A}">
+      <p15:sldGuideLst xmlns:p15="http://schemas.microsoft.com/office/powerpoint/2012/main"/>
+    </p:ext>
+  </p:extLst>
 </p:presentation>
 </file>
 
@@ -241,7 +247,7 @@
           <a:p>
             <a:fld id="{3FB6FB5E-3506-4600-8D76-9780A4BAAB5B}" type="datetimeFigureOut">
               <a:rPr lang="de-DE" smtClean="0"/>
-              <a:t>21.04.2016</a:t>
+              <a:t>25.04.2016</a:t>
             </a:fld>
             <a:endParaRPr lang="de-DE"/>
           </a:p>
@@ -411,7 +417,7 @@
           <a:p>
             <a:fld id="{3FB6FB5E-3506-4600-8D76-9780A4BAAB5B}" type="datetimeFigureOut">
               <a:rPr lang="de-DE" smtClean="0"/>
-              <a:t>21.04.2016</a:t>
+              <a:t>25.04.2016</a:t>
             </a:fld>
             <a:endParaRPr lang="de-DE"/>
           </a:p>
@@ -591,7 +597,7 @@
           <a:p>
             <a:fld id="{3FB6FB5E-3506-4600-8D76-9780A4BAAB5B}" type="datetimeFigureOut">
               <a:rPr lang="de-DE" smtClean="0"/>
-              <a:t>21.04.2016</a:t>
+              <a:t>25.04.2016</a:t>
             </a:fld>
             <a:endParaRPr lang="de-DE"/>
           </a:p>
@@ -761,7 +767,7 @@
           <a:p>
             <a:fld id="{3FB6FB5E-3506-4600-8D76-9780A4BAAB5B}" type="datetimeFigureOut">
               <a:rPr lang="de-DE" smtClean="0"/>
-              <a:t>21.04.2016</a:t>
+              <a:t>25.04.2016</a:t>
             </a:fld>
             <a:endParaRPr lang="de-DE"/>
           </a:p>
@@ -1007,7 +1013,7 @@
           <a:p>
             <a:fld id="{3FB6FB5E-3506-4600-8D76-9780A4BAAB5B}" type="datetimeFigureOut">
               <a:rPr lang="de-DE" smtClean="0"/>
-              <a:t>21.04.2016</a:t>
+              <a:t>25.04.2016</a:t>
             </a:fld>
             <a:endParaRPr lang="de-DE"/>
           </a:p>
@@ -1239,7 +1245,7 @@
           <a:p>
             <a:fld id="{3FB6FB5E-3506-4600-8D76-9780A4BAAB5B}" type="datetimeFigureOut">
               <a:rPr lang="de-DE" smtClean="0"/>
-              <a:t>21.04.2016</a:t>
+              <a:t>25.04.2016</a:t>
             </a:fld>
             <a:endParaRPr lang="de-DE"/>
           </a:p>
@@ -1606,7 +1612,7 @@
           <a:p>
             <a:fld id="{3FB6FB5E-3506-4600-8D76-9780A4BAAB5B}" type="datetimeFigureOut">
               <a:rPr lang="de-DE" smtClean="0"/>
-              <a:t>21.04.2016</a:t>
+              <a:t>25.04.2016</a:t>
             </a:fld>
             <a:endParaRPr lang="de-DE"/>
           </a:p>
@@ -1724,7 +1730,7 @@
           <a:p>
             <a:fld id="{3FB6FB5E-3506-4600-8D76-9780A4BAAB5B}" type="datetimeFigureOut">
               <a:rPr lang="de-DE" smtClean="0"/>
-              <a:t>21.04.2016</a:t>
+              <a:t>25.04.2016</a:t>
             </a:fld>
             <a:endParaRPr lang="de-DE"/>
           </a:p>
@@ -1819,7 +1825,7 @@
           <a:p>
             <a:fld id="{3FB6FB5E-3506-4600-8D76-9780A4BAAB5B}" type="datetimeFigureOut">
               <a:rPr lang="de-DE" smtClean="0"/>
-              <a:t>21.04.2016</a:t>
+              <a:t>25.04.2016</a:t>
             </a:fld>
             <a:endParaRPr lang="de-DE"/>
           </a:p>
@@ -2096,7 +2102,7 @@
           <a:p>
             <a:fld id="{3FB6FB5E-3506-4600-8D76-9780A4BAAB5B}" type="datetimeFigureOut">
               <a:rPr lang="de-DE" smtClean="0"/>
-              <a:t>21.04.2016</a:t>
+              <a:t>25.04.2016</a:t>
             </a:fld>
             <a:endParaRPr lang="de-DE"/>
           </a:p>
@@ -2349,7 +2355,7 @@
           <a:p>
             <a:fld id="{3FB6FB5E-3506-4600-8D76-9780A4BAAB5B}" type="datetimeFigureOut">
               <a:rPr lang="de-DE" smtClean="0"/>
-              <a:t>21.04.2016</a:t>
+              <a:t>25.04.2016</a:t>
             </a:fld>
             <a:endParaRPr lang="de-DE"/>
           </a:p>
@@ -2562,7 +2568,7 @@
           <a:p>
             <a:fld id="{3FB6FB5E-3506-4600-8D76-9780A4BAAB5B}" type="datetimeFigureOut">
               <a:rPr lang="de-DE" smtClean="0"/>
-              <a:t>21.04.2016</a:t>
+              <a:t>25.04.2016</a:t>
             </a:fld>
             <a:endParaRPr lang="de-DE"/>
           </a:p>
@@ -3005,6 +3011,26 @@
           <a:bodyPr/>
           <a:lstStyle/>
           <a:p>
+            <a:r>
+              <a:rPr lang="en-US" dirty="0" smtClean="0"/>
+              <a:t>Fabian </a:t>
+            </a:r>
+            <a:r>
+              <a:rPr lang="en-US" dirty="0" err="1" smtClean="0"/>
+              <a:t>Sperrle</a:t>
+            </a:r>
+            <a:r>
+              <a:rPr lang="en-US" dirty="0" smtClean="0"/>
+              <a:t>, Fabio Br</a:t>
+            </a:r>
+            <a:r>
+              <a:rPr lang="de-DE" dirty="0" err="1" smtClean="0"/>
+              <a:t>ückel</a:t>
+            </a:r>
+            <a:r>
+              <a:rPr lang="de-DE" dirty="0" smtClean="0"/>
+              <a:t>, Matthias Miller, Matthias Kraus</a:t>
+            </a:r>
             <a:endParaRPr lang="de-DE" dirty="0"/>
           </a:p>
         </p:txBody>
@@ -3222,19 +3248,7 @@
           <a:p>
             <a:r>
               <a:rPr lang="en-US" dirty="0" smtClean="0"/>
-              <a:t>Other: </a:t>
-            </a:r>
-            <a:r>
-              <a:rPr lang="en-US" dirty="0" smtClean="0"/>
-              <a:t>Crime ID,</a:t>
-            </a:r>
-            <a:r>
-              <a:rPr lang="en-US" dirty="0" smtClean="0"/>
-              <a:t> </a:t>
-            </a:r>
-            <a:r>
-              <a:rPr lang="en-US" dirty="0" smtClean="0"/>
-              <a:t>Reported by </a:t>
+              <a:t>Other: Crime ID, Reported by </a:t>
             </a:r>
             <a:r>
               <a:rPr lang="en-US" sz="2400" dirty="0" smtClean="0">
@@ -3333,204 +3347,40 @@
           </a:p>
         </p:txBody>
       </p:sp>
-      <p:sp>
-        <p:nvSpPr>
-          <p:cNvPr id="3" name="Inhaltsplatzhalter 2"/>
-          <p:cNvSpPr>
-            <a:spLocks noGrp="1"/>
-          </p:cNvSpPr>
-          <p:nvPr>
-            <p:ph idx="1"/>
-          </p:nvPr>
-        </p:nvSpPr>
-        <p:spPr/>
-        <p:txBody>
-          <a:bodyPr/>
-          <a:lstStyle/>
-          <a:p>
-            <a:r>
-              <a:rPr lang="de-DE" dirty="0" err="1"/>
-              <a:t>C</a:t>
-            </a:r>
-            <a:r>
-              <a:rPr lang="de-DE" dirty="0" err="1" smtClean="0"/>
-              <a:t>horopleth</a:t>
-            </a:r>
-            <a:r>
-              <a:rPr lang="de-DE" dirty="0" smtClean="0"/>
-              <a:t> </a:t>
-            </a:r>
-            <a:r>
-              <a:rPr lang="de-DE" dirty="0" err="1" smtClean="0"/>
-              <a:t>map</a:t>
-            </a:r>
-            <a:endParaRPr lang="de-DE" dirty="0" smtClean="0"/>
-          </a:p>
-          <a:p>
-            <a:pPr lvl="1"/>
-            <a:r>
-              <a:rPr lang="de-DE" dirty="0" err="1" smtClean="0"/>
-              <a:t>By</a:t>
-            </a:r>
-            <a:r>
-              <a:rPr lang="de-DE" dirty="0" smtClean="0"/>
-              <a:t> </a:t>
-            </a:r>
-            <a:r>
-              <a:rPr lang="de-DE" dirty="0" err="1" smtClean="0"/>
-              <a:t>Crimetype</a:t>
-            </a:r>
-            <a:endParaRPr lang="de-DE" dirty="0" smtClean="0"/>
-          </a:p>
-          <a:p>
-            <a:pPr lvl="1"/>
-            <a:r>
-              <a:rPr lang="de-DE" dirty="0" smtClean="0"/>
-              <a:t>Over time (</a:t>
-            </a:r>
-            <a:r>
-              <a:rPr lang="de-DE" dirty="0" err="1" smtClean="0"/>
-              <a:t>datapoints</a:t>
-            </a:r>
-            <a:r>
-              <a:rPr lang="de-DE" dirty="0" smtClean="0"/>
-              <a:t> </a:t>
-            </a:r>
-            <a:r>
-              <a:rPr lang="de-DE" dirty="0" err="1" smtClean="0"/>
-              <a:t>connected</a:t>
-            </a:r>
-            <a:r>
-              <a:rPr lang="de-DE" dirty="0" smtClean="0"/>
-              <a:t> </a:t>
-            </a:r>
-            <a:r>
-              <a:rPr lang="de-DE" dirty="0" err="1" smtClean="0"/>
-              <a:t>to</a:t>
-            </a:r>
-            <a:r>
-              <a:rPr lang="de-DE" dirty="0" smtClean="0"/>
-              <a:t> </a:t>
-            </a:r>
-            <a:r>
-              <a:rPr lang="de-DE" dirty="0" err="1" smtClean="0"/>
-              <a:t>scatterplot</a:t>
-            </a:r>
-            <a:r>
-              <a:rPr lang="de-DE" dirty="0" smtClean="0"/>
-              <a:t>/time-</a:t>
-            </a:r>
-            <a:r>
-              <a:rPr lang="de-DE" dirty="0" err="1" smtClean="0"/>
-              <a:t>series</a:t>
-            </a:r>
-            <a:r>
-              <a:rPr lang="de-DE" dirty="0" smtClean="0"/>
-              <a:t> </a:t>
-            </a:r>
-            <a:r>
-              <a:rPr lang="de-DE" dirty="0" err="1" smtClean="0"/>
-              <a:t>graph</a:t>
-            </a:r>
-            <a:r>
-              <a:rPr lang="de-DE" dirty="0" smtClean="0"/>
-              <a:t>)</a:t>
-            </a:r>
-          </a:p>
-          <a:p>
-            <a:pPr lvl="1"/>
-            <a:r>
-              <a:rPr lang="de-DE" dirty="0" err="1" smtClean="0"/>
-              <a:t>Scaleable</a:t>
-            </a:r>
-            <a:r>
-              <a:rPr lang="de-DE" dirty="0" smtClean="0"/>
-              <a:t> (</a:t>
-            </a:r>
-            <a:r>
-              <a:rPr lang="de-DE" dirty="0" err="1" smtClean="0"/>
-              <a:t>details</a:t>
-            </a:r>
-            <a:r>
-              <a:rPr lang="de-DE" dirty="0" smtClean="0"/>
-              <a:t> on </a:t>
-            </a:r>
-            <a:r>
-              <a:rPr lang="de-DE" dirty="0" err="1" smtClean="0"/>
-              <a:t>demand</a:t>
-            </a:r>
-            <a:r>
-              <a:rPr lang="de-DE" dirty="0" smtClean="0"/>
-              <a:t>)</a:t>
-            </a:r>
-            <a:endParaRPr lang="de-DE" dirty="0"/>
-          </a:p>
-          <a:p>
-            <a:r>
-              <a:rPr lang="de-DE" dirty="0" err="1" smtClean="0"/>
-              <a:t>Crimes</a:t>
-            </a:r>
-            <a:r>
-              <a:rPr lang="de-DE" dirty="0" smtClean="0"/>
-              <a:t> </a:t>
-            </a:r>
-            <a:r>
-              <a:rPr lang="de-DE" dirty="0" err="1" smtClean="0"/>
-              <a:t>by</a:t>
-            </a:r>
-            <a:r>
-              <a:rPr lang="de-DE" dirty="0" smtClean="0"/>
-              <a:t> Year/</a:t>
-            </a:r>
-            <a:r>
-              <a:rPr lang="de-DE" dirty="0" err="1" smtClean="0"/>
-              <a:t>Month</a:t>
-            </a:r>
-            <a:r>
-              <a:rPr lang="de-DE" dirty="0" smtClean="0"/>
-              <a:t> – </a:t>
-            </a:r>
-            <a:r>
-              <a:rPr lang="de-DE" dirty="0" err="1" smtClean="0"/>
-              <a:t>Slope</a:t>
-            </a:r>
-            <a:r>
-              <a:rPr lang="de-DE" dirty="0" smtClean="0"/>
-              <a:t>/</a:t>
-            </a:r>
-            <a:r>
-              <a:rPr lang="de-DE" dirty="0" err="1" smtClean="0"/>
-              <a:t>Horizon</a:t>
-            </a:r>
-            <a:r>
-              <a:rPr lang="de-DE" dirty="0" smtClean="0"/>
-              <a:t> </a:t>
-            </a:r>
-            <a:r>
-              <a:rPr lang="de-DE" dirty="0" err="1" smtClean="0"/>
-              <a:t>graph</a:t>
-            </a:r>
-            <a:endParaRPr lang="de-DE" dirty="0" smtClean="0"/>
-          </a:p>
-          <a:p>
-            <a:pPr marL="0" indent="0">
-              <a:buNone/>
-            </a:pPr>
-            <a:r>
-              <a:rPr lang="de-DE" smtClean="0"/>
-              <a:t> </a:t>
-            </a:r>
-            <a:endParaRPr lang="de-DE" dirty="0"/>
-          </a:p>
-          <a:p>
-            <a:endParaRPr lang="de-DE" dirty="0" smtClean="0"/>
-          </a:p>
-        </p:txBody>
-      </p:sp>
+      <p:pic>
+        <p:nvPicPr>
+          <p:cNvPr id="5" name="Grafik 4"/>
+          <p:cNvPicPr>
+            <a:picLocks noChangeAspect="1"/>
+          </p:cNvPicPr>
+          <p:nvPr/>
+        </p:nvPicPr>
+        <p:blipFill>
+          <a:blip r:embed="rId2">
+            <a:extLst>
+              <a:ext uri="{28A0092B-C50C-407E-A947-70E740481C1C}">
+                <a14:useLocalDpi xmlns:a14="http://schemas.microsoft.com/office/drawing/2010/main" val="0"/>
+              </a:ext>
+            </a:extLst>
+          </a:blip>
+          <a:stretch>
+            <a:fillRect/>
+          </a:stretch>
+        </p:blipFill>
+        <p:spPr>
+          <a:xfrm>
+            <a:off x="2595562" y="1762918"/>
+            <a:ext cx="7000876" cy="4292205"/>
+          </a:xfrm>
+          <a:prstGeom prst="rect">
+            <a:avLst/>
+          </a:prstGeom>
+        </p:spPr>
+      </p:pic>
     </p:spTree>
     <p:extLst>
       <p:ext uri="{BB962C8B-B14F-4D97-AF65-F5344CB8AC3E}">
-        <p14:creationId xmlns:p14="http://schemas.microsoft.com/office/powerpoint/2010/main" val="1749109006"/>
+        <p14:creationId xmlns:p14="http://schemas.microsoft.com/office/powerpoint/2010/main" val="2251532632"/>
       </p:ext>
     </p:extLst>
   </p:cSld>
@@ -3574,7 +3424,7 @@
           <a:p>
             <a:r>
               <a:rPr lang="de-DE" dirty="0" err="1" smtClean="0"/>
-              <a:t>Possible</a:t>
+              <a:t>Visualization</a:t>
             </a:r>
             <a:r>
               <a:rPr lang="de-DE" dirty="0" smtClean="0"/>
@@ -3582,7 +3432,320 @@
             </a:r>
             <a:r>
               <a:rPr lang="de-DE" dirty="0" err="1" smtClean="0"/>
-              <a:t>questions</a:t>
+              <a:t>Possibilities</a:t>
+            </a:r>
+            <a:r>
+              <a:rPr lang="de-DE" dirty="0" smtClean="0"/>
+              <a:t>	</a:t>
+            </a:r>
+            <a:endParaRPr lang="de-DE" dirty="0"/>
+          </a:p>
+        </p:txBody>
+      </p:sp>
+      <mc:AlternateContent xmlns:mc="http://schemas.openxmlformats.org/markup-compatibility/2006">
+        <mc:Choice xmlns:a14="http://schemas.microsoft.com/office/drawing/2010/main" Requires="a14">
+          <p:sp>
+            <p:nvSpPr>
+              <p:cNvPr id="3" name="Inhaltsplatzhalter 2"/>
+              <p:cNvSpPr>
+                <a:spLocks noGrp="1"/>
+              </p:cNvSpPr>
+              <p:nvPr>
+                <p:ph idx="1"/>
+              </p:nvPr>
+            </p:nvSpPr>
+            <p:spPr/>
+            <p:txBody>
+              <a:bodyPr/>
+              <a:lstStyle/>
+              <a:p>
+                <a:r>
+                  <a:rPr lang="de-DE" dirty="0" smtClean="0"/>
+                  <a:t>C</a:t>
+                </a:r>
+                <a:r>
+                  <a:rPr lang="de-DE" dirty="0" err="1" smtClean="0"/>
+                  <a:t>horopleth</a:t>
+                </a:r>
+                <a:r>
+                  <a:rPr lang="de-DE" dirty="0" smtClean="0"/>
+                  <a:t> </a:t>
+                </a:r>
+                <a:r>
+                  <a:rPr lang="de-DE" dirty="0" err="1" smtClean="0"/>
+                  <a:t>map</a:t>
+                </a:r>
+                <a:endParaRPr lang="de-DE" dirty="0" smtClean="0"/>
+              </a:p>
+              <a:p>
+                <a:pPr lvl="1"/>
+                <a:r>
+                  <a:rPr lang="de-DE" dirty="0" err="1" smtClean="0"/>
+                  <a:t>By</a:t>
+                </a:r>
+                <a:r>
+                  <a:rPr lang="de-DE" dirty="0" smtClean="0"/>
+                  <a:t> </a:t>
+                </a:r>
+                <a:r>
+                  <a:rPr lang="de-DE" dirty="0" err="1"/>
+                  <a:t>c</a:t>
+                </a:r>
+                <a:r>
+                  <a:rPr lang="de-DE" dirty="0" err="1" smtClean="0"/>
+                  <a:t>rimetype</a:t>
+                </a:r>
+                <a:endParaRPr lang="de-DE" dirty="0" smtClean="0"/>
+              </a:p>
+              <a:p>
+                <a:pPr lvl="1"/>
+                <a:r>
+                  <a:rPr lang="de-DE" dirty="0" smtClean="0"/>
+                  <a:t>Over time (</a:t>
+                </a:r>
+                <a:r>
+                  <a:rPr lang="de-DE" dirty="0" err="1" smtClean="0"/>
+                  <a:t>datapoints</a:t>
+                </a:r>
+                <a:r>
+                  <a:rPr lang="de-DE" dirty="0" smtClean="0"/>
+                  <a:t> </a:t>
+                </a:r>
+                <a:r>
+                  <a:rPr lang="de-DE" dirty="0" err="1" smtClean="0"/>
+                  <a:t>connected</a:t>
+                </a:r>
+                <a:r>
+                  <a:rPr lang="de-DE" dirty="0" smtClean="0"/>
+                  <a:t> </a:t>
+                </a:r>
+                <a:r>
+                  <a:rPr lang="de-DE" dirty="0" err="1" smtClean="0"/>
+                  <a:t>to</a:t>
+                </a:r>
+                <a:r>
+                  <a:rPr lang="de-DE" dirty="0" smtClean="0"/>
+                  <a:t> </a:t>
+                </a:r>
+                <a:r>
+                  <a:rPr lang="de-DE" dirty="0" err="1" smtClean="0"/>
+                  <a:t>scatterplot</a:t>
+                </a:r>
+                <a:r>
+                  <a:rPr lang="de-DE" dirty="0" smtClean="0"/>
+                  <a:t>/time-</a:t>
+                </a:r>
+                <a:r>
+                  <a:rPr lang="de-DE" dirty="0" err="1" smtClean="0"/>
+                  <a:t>series</a:t>
+                </a:r>
+                <a:r>
+                  <a:rPr lang="de-DE" dirty="0" smtClean="0"/>
+                  <a:t> </a:t>
+                </a:r>
+                <a:r>
+                  <a:rPr lang="de-DE" dirty="0" err="1" smtClean="0"/>
+                  <a:t>graph</a:t>
+                </a:r>
+                <a:r>
+                  <a:rPr lang="de-DE" dirty="0" smtClean="0"/>
+                  <a:t>)</a:t>
+                </a:r>
+              </a:p>
+              <a:p>
+                <a:pPr lvl="1"/>
+                <a:r>
+                  <a:rPr lang="de-DE" dirty="0" err="1" smtClean="0"/>
+                  <a:t>Scaleable</a:t>
+                </a:r>
+                <a:r>
+                  <a:rPr lang="de-DE" dirty="0" smtClean="0"/>
+                  <a:t> (</a:t>
+                </a:r>
+                <a:r>
+                  <a:rPr lang="de-DE" dirty="0" err="1" smtClean="0"/>
+                  <a:t>details</a:t>
+                </a:r>
+                <a:r>
+                  <a:rPr lang="de-DE" dirty="0" smtClean="0"/>
+                  <a:t> on </a:t>
+                </a:r>
+                <a:r>
+                  <a:rPr lang="de-DE" dirty="0" err="1" smtClean="0"/>
+                  <a:t>demand</a:t>
+                </a:r>
+                <a:r>
+                  <a:rPr lang="de-DE" dirty="0" smtClean="0"/>
+                  <a:t>) </a:t>
+                </a:r>
+                <a14:m>
+                  <m:oMath xmlns:m="http://schemas.openxmlformats.org/officeDocument/2006/math">
+                    <m:r>
+                      <a:rPr lang="de-DE" b="0" i="1" smtClean="0">
+                        <a:latin typeface="Cambria Math" panose="02040503050406030204" pitchFamily="18" charset="0"/>
+                      </a:rPr>
+                      <m:t>→</m:t>
+                    </m:r>
+                  </m:oMath>
+                </a14:m>
+                <a:r>
+                  <a:rPr lang="en-US" dirty="0" smtClean="0"/>
+                  <a:t> heatmap</a:t>
+                </a:r>
+                <a:endParaRPr lang="de-DE" dirty="0" smtClean="0"/>
+              </a:p>
+              <a:p>
+                <a:r>
+                  <a:rPr lang="de-DE" dirty="0" err="1" smtClean="0"/>
+                  <a:t>Crimes</a:t>
+                </a:r>
+                <a:r>
+                  <a:rPr lang="de-DE" dirty="0" smtClean="0"/>
+                  <a:t> </a:t>
+                </a:r>
+                <a:r>
+                  <a:rPr lang="de-DE" dirty="0" err="1" smtClean="0"/>
+                  <a:t>by</a:t>
+                </a:r>
+                <a:r>
+                  <a:rPr lang="de-DE" dirty="0" smtClean="0"/>
+                  <a:t> Year/</a:t>
+                </a:r>
+                <a:r>
+                  <a:rPr lang="de-DE" dirty="0" err="1" smtClean="0"/>
+                  <a:t>Month</a:t>
+                </a:r>
+                <a:r>
+                  <a:rPr lang="de-DE" dirty="0" smtClean="0"/>
+                  <a:t> – </a:t>
+                </a:r>
+                <a:r>
+                  <a:rPr lang="de-DE" dirty="0" err="1" smtClean="0"/>
+                  <a:t>Slope</a:t>
+                </a:r>
+                <a:r>
+                  <a:rPr lang="de-DE" dirty="0" smtClean="0"/>
+                  <a:t>/</a:t>
+                </a:r>
+                <a:r>
+                  <a:rPr lang="de-DE" dirty="0" err="1" smtClean="0"/>
+                  <a:t>Horizon</a:t>
+                </a:r>
+                <a:r>
+                  <a:rPr lang="de-DE" dirty="0" smtClean="0"/>
+                  <a:t> </a:t>
+                </a:r>
+                <a:r>
+                  <a:rPr lang="de-DE" dirty="0" err="1" smtClean="0"/>
+                  <a:t>graph</a:t>
+                </a:r>
+                <a:endParaRPr lang="de-DE" dirty="0" smtClean="0"/>
+              </a:p>
+              <a:p>
+                <a:r>
+                  <a:rPr lang="en-US" dirty="0" smtClean="0"/>
+                  <a:t>Solved crimes rate over time</a:t>
+                </a:r>
+                <a:endParaRPr lang="de-DE" dirty="0" smtClean="0"/>
+              </a:p>
+              <a:p>
+                <a:pPr marL="0" indent="0">
+                  <a:buNone/>
+                </a:pPr>
+                <a:r>
+                  <a:rPr lang="de-DE" dirty="0" smtClean="0"/>
+                  <a:t> </a:t>
+                </a:r>
+                <a:endParaRPr lang="de-DE" dirty="0"/>
+              </a:p>
+              <a:p>
+                <a:endParaRPr lang="de-DE" dirty="0" smtClean="0"/>
+              </a:p>
+            </p:txBody>
+          </p:sp>
+        </mc:Choice>
+        <mc:Fallback>
+          <p:sp>
+            <p:nvSpPr>
+              <p:cNvPr id="3" name="Inhaltsplatzhalter 2"/>
+              <p:cNvSpPr>
+                <a:spLocks noGrp="1" noRot="1" noChangeAspect="1" noMove="1" noResize="1" noEditPoints="1" noAdjustHandles="1" noChangeArrowheads="1" noChangeShapeType="1" noTextEdit="1"/>
+              </p:cNvSpPr>
+              <p:nvPr>
+                <p:ph idx="1"/>
+              </p:nvPr>
+            </p:nvSpPr>
+            <p:spPr>
+              <a:blipFill rotWithShape="0">
+                <a:blip r:embed="rId2"/>
+                <a:stretch>
+                  <a:fillRect l="-1043" t="-2241"/>
+                </a:stretch>
+              </a:blipFill>
+            </p:spPr>
+            <p:txBody>
+              <a:bodyPr/>
+              <a:lstStyle/>
+              <a:p>
+                <a:r>
+                  <a:rPr lang="de-DE">
+                    <a:noFill/>
+                  </a:rPr>
+                  <a:t> </a:t>
+                </a:r>
+              </a:p>
+            </p:txBody>
+          </p:sp>
+        </mc:Fallback>
+      </mc:AlternateContent>
+    </p:spTree>
+    <p:extLst>
+      <p:ext uri="{BB962C8B-B14F-4D97-AF65-F5344CB8AC3E}">
+        <p14:creationId xmlns:p14="http://schemas.microsoft.com/office/powerpoint/2010/main" val="1749109006"/>
+      </p:ext>
+    </p:extLst>
+  </p:cSld>
+  <p:clrMapOvr>
+    <a:masterClrMapping/>
+  </p:clrMapOvr>
+</p:sld>
+</file>
+
+<file path=ppt/slides/slide5.xml><?xml version="1.0" encoding="utf-8"?>
+<p:sld xmlns:a="http://schemas.openxmlformats.org/drawingml/2006/main" xmlns:r="http://schemas.openxmlformats.org/officeDocument/2006/relationships" xmlns:p="http://schemas.openxmlformats.org/presentationml/2006/main">
+  <p:cSld>
+    <p:spTree>
+      <p:nvGrpSpPr>
+        <p:cNvPr id="1" name=""/>
+        <p:cNvGrpSpPr/>
+        <p:nvPr/>
+      </p:nvGrpSpPr>
+      <p:grpSpPr>
+        <a:xfrm>
+          <a:off x="0" y="0"/>
+          <a:ext cx="0" cy="0"/>
+          <a:chOff x="0" y="0"/>
+          <a:chExt cx="0" cy="0"/>
+        </a:xfrm>
+      </p:grpSpPr>
+      <p:sp>
+        <p:nvSpPr>
+          <p:cNvPr id="2" name="Titel 1"/>
+          <p:cNvSpPr>
+            <a:spLocks noGrp="1"/>
+          </p:cNvSpPr>
+          <p:nvPr>
+            <p:ph type="title"/>
+          </p:nvPr>
+        </p:nvSpPr>
+        <p:spPr/>
+        <p:txBody>
+          <a:bodyPr/>
+          <a:lstStyle/>
+          <a:p>
+            <a:r>
+              <a:rPr lang="de-DE" dirty="0" err="1" smtClean="0"/>
+              <a:t>Possible</a:t>
             </a:r>
             <a:r>
               <a:rPr lang="de-DE" dirty="0" smtClean="0"/>
@@ -3590,7 +3753,7 @@
             </a:r>
             <a:r>
               <a:rPr lang="de-DE" dirty="0" err="1" smtClean="0"/>
-              <a:t>to</a:t>
+              <a:t>questions</a:t>
             </a:r>
             <a:r>
               <a:rPr lang="de-DE" dirty="0" smtClean="0"/>
@@ -3598,6 +3761,14 @@
             </a:r>
             <a:r>
               <a:rPr lang="de-DE" dirty="0" err="1" smtClean="0"/>
+              <a:t>to</a:t>
+            </a:r>
+            <a:r>
+              <a:rPr lang="de-DE" dirty="0" smtClean="0"/>
+              <a:t> </a:t>
+            </a:r>
+            <a:r>
+              <a:rPr lang="de-DE" dirty="0" err="1" smtClean="0"/>
               <a:t>answer</a:t>
             </a:r>
             <a:endParaRPr lang="de-DE" dirty="0"/>
@@ -3618,6 +3789,13 @@
         <p:txBody>
           <a:bodyPr/>
           <a:lstStyle/>
+          <a:p>
+            <a:r>
+              <a:rPr lang="en-US" dirty="0" smtClean="0"/>
+              <a:t>Areas with highest crime risk</a:t>
+            </a:r>
+            <a:endParaRPr lang="de-DE" dirty="0" smtClean="0"/>
+          </a:p>
           <a:p>
             <a:r>
               <a:rPr lang="de-DE" dirty="0" smtClean="0"/>
@@ -3867,6 +4045,9 @@
               <a:rPr lang="de-DE" dirty="0" smtClean="0"/>
               <a:t>)</a:t>
             </a:r>
+          </a:p>
+          <a:p>
+            <a:endParaRPr lang="de-DE" dirty="0" smtClean="0"/>
           </a:p>
           <a:p>
             <a:endParaRPr lang="de-DE" dirty="0" smtClean="0"/>

--- a/LondonCrimeData.pptx
+++ b/LondonCrimeData.pptx
@@ -247,7 +247,7 @@
           <a:p>
             <a:fld id="{3FB6FB5E-3506-4600-8D76-9780A4BAAB5B}" type="datetimeFigureOut">
               <a:rPr lang="de-DE" smtClean="0"/>
-              <a:t>25.04.2016</a:t>
+              <a:t>25.04.16</a:t>
             </a:fld>
             <a:endParaRPr lang="de-DE"/>
           </a:p>
@@ -289,7 +289,7 @@
           <a:p>
             <a:fld id="{1751340C-6FF8-4053-99C3-31B25C1EB4FC}" type="slidenum">
               <a:rPr lang="de-DE" smtClean="0"/>
-              <a:t>‹Nr.›</a:t>
+              <a:t>‹#›</a:t>
             </a:fld>
             <a:endParaRPr lang="de-DE"/>
           </a:p>
@@ -417,7 +417,7 @@
           <a:p>
             <a:fld id="{3FB6FB5E-3506-4600-8D76-9780A4BAAB5B}" type="datetimeFigureOut">
               <a:rPr lang="de-DE" smtClean="0"/>
-              <a:t>25.04.2016</a:t>
+              <a:t>25.04.16</a:t>
             </a:fld>
             <a:endParaRPr lang="de-DE"/>
           </a:p>
@@ -459,7 +459,7 @@
           <a:p>
             <a:fld id="{1751340C-6FF8-4053-99C3-31B25C1EB4FC}" type="slidenum">
               <a:rPr lang="de-DE" smtClean="0"/>
-              <a:t>‹Nr.›</a:t>
+              <a:t>‹#›</a:t>
             </a:fld>
             <a:endParaRPr lang="de-DE"/>
           </a:p>
@@ -597,7 +597,7 @@
           <a:p>
             <a:fld id="{3FB6FB5E-3506-4600-8D76-9780A4BAAB5B}" type="datetimeFigureOut">
               <a:rPr lang="de-DE" smtClean="0"/>
-              <a:t>25.04.2016</a:t>
+              <a:t>25.04.16</a:t>
             </a:fld>
             <a:endParaRPr lang="de-DE"/>
           </a:p>
@@ -639,7 +639,7 @@
           <a:p>
             <a:fld id="{1751340C-6FF8-4053-99C3-31B25C1EB4FC}" type="slidenum">
               <a:rPr lang="de-DE" smtClean="0"/>
-              <a:t>‹Nr.›</a:t>
+              <a:t>‹#›</a:t>
             </a:fld>
             <a:endParaRPr lang="de-DE"/>
           </a:p>
@@ -767,7 +767,7 @@
           <a:p>
             <a:fld id="{3FB6FB5E-3506-4600-8D76-9780A4BAAB5B}" type="datetimeFigureOut">
               <a:rPr lang="de-DE" smtClean="0"/>
-              <a:t>25.04.2016</a:t>
+              <a:t>25.04.16</a:t>
             </a:fld>
             <a:endParaRPr lang="de-DE"/>
           </a:p>
@@ -809,7 +809,7 @@
           <a:p>
             <a:fld id="{1751340C-6FF8-4053-99C3-31B25C1EB4FC}" type="slidenum">
               <a:rPr lang="de-DE" smtClean="0"/>
-              <a:t>‹Nr.›</a:t>
+              <a:t>‹#›</a:t>
             </a:fld>
             <a:endParaRPr lang="de-DE"/>
           </a:p>
@@ -1013,7 +1013,7 @@
           <a:p>
             <a:fld id="{3FB6FB5E-3506-4600-8D76-9780A4BAAB5B}" type="datetimeFigureOut">
               <a:rPr lang="de-DE" smtClean="0"/>
-              <a:t>25.04.2016</a:t>
+              <a:t>25.04.16</a:t>
             </a:fld>
             <a:endParaRPr lang="de-DE"/>
           </a:p>
@@ -1055,7 +1055,7 @@
           <a:p>
             <a:fld id="{1751340C-6FF8-4053-99C3-31B25C1EB4FC}" type="slidenum">
               <a:rPr lang="de-DE" smtClean="0"/>
-              <a:t>‹Nr.›</a:t>
+              <a:t>‹#›</a:t>
             </a:fld>
             <a:endParaRPr lang="de-DE"/>
           </a:p>
@@ -1245,7 +1245,7 @@
           <a:p>
             <a:fld id="{3FB6FB5E-3506-4600-8D76-9780A4BAAB5B}" type="datetimeFigureOut">
               <a:rPr lang="de-DE" smtClean="0"/>
-              <a:t>25.04.2016</a:t>
+              <a:t>25.04.16</a:t>
             </a:fld>
             <a:endParaRPr lang="de-DE"/>
           </a:p>
@@ -1287,7 +1287,7 @@
           <a:p>
             <a:fld id="{1751340C-6FF8-4053-99C3-31B25C1EB4FC}" type="slidenum">
               <a:rPr lang="de-DE" smtClean="0"/>
-              <a:t>‹Nr.›</a:t>
+              <a:t>‹#›</a:t>
             </a:fld>
             <a:endParaRPr lang="de-DE"/>
           </a:p>
@@ -1612,7 +1612,7 @@
           <a:p>
             <a:fld id="{3FB6FB5E-3506-4600-8D76-9780A4BAAB5B}" type="datetimeFigureOut">
               <a:rPr lang="de-DE" smtClean="0"/>
-              <a:t>25.04.2016</a:t>
+              <a:t>25.04.16</a:t>
             </a:fld>
             <a:endParaRPr lang="de-DE"/>
           </a:p>
@@ -1654,7 +1654,7 @@
           <a:p>
             <a:fld id="{1751340C-6FF8-4053-99C3-31B25C1EB4FC}" type="slidenum">
               <a:rPr lang="de-DE" smtClean="0"/>
-              <a:t>‹Nr.›</a:t>
+              <a:t>‹#›</a:t>
             </a:fld>
             <a:endParaRPr lang="de-DE"/>
           </a:p>
@@ -1730,7 +1730,7 @@
           <a:p>
             <a:fld id="{3FB6FB5E-3506-4600-8D76-9780A4BAAB5B}" type="datetimeFigureOut">
               <a:rPr lang="de-DE" smtClean="0"/>
-              <a:t>25.04.2016</a:t>
+              <a:t>25.04.16</a:t>
             </a:fld>
             <a:endParaRPr lang="de-DE"/>
           </a:p>
@@ -1772,7 +1772,7 @@
           <a:p>
             <a:fld id="{1751340C-6FF8-4053-99C3-31B25C1EB4FC}" type="slidenum">
               <a:rPr lang="de-DE" smtClean="0"/>
-              <a:t>‹Nr.›</a:t>
+              <a:t>‹#›</a:t>
             </a:fld>
             <a:endParaRPr lang="de-DE"/>
           </a:p>
@@ -1825,7 +1825,7 @@
           <a:p>
             <a:fld id="{3FB6FB5E-3506-4600-8D76-9780A4BAAB5B}" type="datetimeFigureOut">
               <a:rPr lang="de-DE" smtClean="0"/>
-              <a:t>25.04.2016</a:t>
+              <a:t>25.04.16</a:t>
             </a:fld>
             <a:endParaRPr lang="de-DE"/>
           </a:p>
@@ -1867,7 +1867,7 @@
           <a:p>
             <a:fld id="{1751340C-6FF8-4053-99C3-31B25C1EB4FC}" type="slidenum">
               <a:rPr lang="de-DE" smtClean="0"/>
-              <a:t>‹Nr.›</a:t>
+              <a:t>‹#›</a:t>
             </a:fld>
             <a:endParaRPr lang="de-DE"/>
           </a:p>
@@ -2102,7 +2102,7 @@
           <a:p>
             <a:fld id="{3FB6FB5E-3506-4600-8D76-9780A4BAAB5B}" type="datetimeFigureOut">
               <a:rPr lang="de-DE" smtClean="0"/>
-              <a:t>25.04.2016</a:t>
+              <a:t>25.04.16</a:t>
             </a:fld>
             <a:endParaRPr lang="de-DE"/>
           </a:p>
@@ -2144,7 +2144,7 @@
           <a:p>
             <a:fld id="{1751340C-6FF8-4053-99C3-31B25C1EB4FC}" type="slidenum">
               <a:rPr lang="de-DE" smtClean="0"/>
-              <a:t>‹Nr.›</a:t>
+              <a:t>‹#›</a:t>
             </a:fld>
             <a:endParaRPr lang="de-DE"/>
           </a:p>
@@ -2355,7 +2355,7 @@
           <a:p>
             <a:fld id="{3FB6FB5E-3506-4600-8D76-9780A4BAAB5B}" type="datetimeFigureOut">
               <a:rPr lang="de-DE" smtClean="0"/>
-              <a:t>25.04.2016</a:t>
+              <a:t>25.04.16</a:t>
             </a:fld>
             <a:endParaRPr lang="de-DE"/>
           </a:p>
@@ -2397,7 +2397,7 @@
           <a:p>
             <a:fld id="{1751340C-6FF8-4053-99C3-31B25C1EB4FC}" type="slidenum">
               <a:rPr lang="de-DE" smtClean="0"/>
-              <a:t>‹Nr.›</a:t>
+              <a:t>‹#›</a:t>
             </a:fld>
             <a:endParaRPr lang="de-DE"/>
           </a:p>
@@ -2568,7 +2568,7 @@
           <a:p>
             <a:fld id="{3FB6FB5E-3506-4600-8D76-9780A4BAAB5B}" type="datetimeFigureOut">
               <a:rPr lang="de-DE" smtClean="0"/>
-              <a:t>25.04.2016</a:t>
+              <a:t>25.04.16</a:t>
             </a:fld>
             <a:endParaRPr lang="de-DE"/>
           </a:p>
@@ -2646,7 +2646,7 @@
           <a:p>
             <a:fld id="{1751340C-6FF8-4053-99C3-31B25C1EB4FC}" type="slidenum">
               <a:rPr lang="de-DE" smtClean="0"/>
-              <a:t>‹Nr.›</a:t>
+              <a:t>‹#›</a:t>
             </a:fld>
             <a:endParaRPr lang="de-DE"/>
           </a:p>
@@ -3349,11 +3349,13 @@
       </p:sp>
       <p:pic>
         <p:nvPicPr>
-          <p:cNvPr id="5" name="Grafik 4"/>
+          <p:cNvPr id="4" name="Content Placeholder 3"/>
           <p:cNvPicPr>
-            <a:picLocks noChangeAspect="1"/>
+            <a:picLocks noGrp="1" noChangeAspect="1"/>
           </p:cNvPicPr>
-          <p:nvPr/>
+          <p:nvPr>
+            <p:ph idx="1"/>
+          </p:nvPr>
         </p:nvPicPr>
         <p:blipFill>
           <a:blip r:embed="rId2">
@@ -3369,12 +3371,9 @@
         </p:blipFill>
         <p:spPr>
           <a:xfrm>
-            <a:off x="2595562" y="1762918"/>
-            <a:ext cx="7000876" cy="4292205"/>
+            <a:off x="1650673" y="1825625"/>
+            <a:ext cx="8890653" cy="4351338"/>
           </a:xfrm>
-          <a:prstGeom prst="rect">
-            <a:avLst/>
-          </a:prstGeom>
         </p:spPr>
       </p:pic>
     </p:spTree>
@@ -3442,8 +3441,8 @@
           </a:p>
         </p:txBody>
       </p:sp>
-      <mc:AlternateContent xmlns:mc="http://schemas.openxmlformats.org/markup-compatibility/2006">
-        <mc:Choice xmlns:a14="http://schemas.microsoft.com/office/drawing/2010/main" Requires="a14">
+      <mc:AlternateContent xmlns:mc="http://schemas.openxmlformats.org/markup-compatibility/2006" xmlns:a14="http://schemas.microsoft.com/office/drawing/2010/main">
+        <mc:Choice Requires="a14">
           <p:sp>
             <p:nvSpPr>
               <p:cNvPr id="3" name="Inhaltsplatzhalter 2"/>
@@ -3664,7 +3663,7 @@
             </p:txBody>
           </p:sp>
         </mc:Choice>
-        <mc:Fallback>
+        <mc:Fallback xmlns="">
           <p:sp>
             <p:nvSpPr>
               <p:cNvPr id="3" name="Inhaltsplatzhalter 2"/>

--- a/LondonCrimeData.pptx
+++ b/LondonCrimeData.pptx
@@ -10,6 +10,7 @@
     <p:sldId id="260" r:id="rId4"/>
     <p:sldId id="258" r:id="rId5"/>
     <p:sldId id="259" r:id="rId6"/>
+    <p:sldId id="261" r:id="rId7"/>
   </p:sldIdLst>
   <p:sldSz cx="12192000" cy="6858000"/>
   <p:notesSz cx="6858000" cy="9144000"/>
@@ -158,10 +159,9 @@
           </a:lstStyle>
           <a:p>
             <a:r>
-              <a:rPr lang="de-DE" smtClean="0"/>
+              <a:rPr lang="de-DE"/>
               <a:t>Titelmasterformat durch Klicken bearbeiten</a:t>
             </a:r>
-            <a:endParaRPr lang="de-DE"/>
           </a:p>
         </p:txBody>
       </p:sp>
@@ -223,10 +223,9 @@
           </a:lstStyle>
           <a:p>
             <a:r>
-              <a:rPr lang="de-DE" smtClean="0"/>
+              <a:rPr lang="de-DE"/>
               <a:t>Formatvorlage des Untertitelmasters durch Klicken bearbeiten</a:t>
             </a:r>
-            <a:endParaRPr lang="de-DE"/>
           </a:p>
         </p:txBody>
       </p:sp>
@@ -247,7 +246,7 @@
           <a:p>
             <a:fld id="{3FB6FB5E-3506-4600-8D76-9780A4BAAB5B}" type="datetimeFigureOut">
               <a:rPr lang="de-DE" smtClean="0"/>
-              <a:t>25.04.16</a:t>
+              <a:t>27.04.2016</a:t>
             </a:fld>
             <a:endParaRPr lang="de-DE"/>
           </a:p>
@@ -289,7 +288,7 @@
           <a:p>
             <a:fld id="{1751340C-6FF8-4053-99C3-31B25C1EB4FC}" type="slidenum">
               <a:rPr lang="de-DE" smtClean="0"/>
-              <a:t>‹#›</a:t>
+              <a:t>‹Nr.›</a:t>
             </a:fld>
             <a:endParaRPr lang="de-DE"/>
           </a:p>
@@ -341,10 +340,9 @@
           <a:lstStyle/>
           <a:p>
             <a:r>
-              <a:rPr lang="de-DE" smtClean="0"/>
+              <a:rPr lang="de-DE"/>
               <a:t>Titelmasterformat durch Klicken bearbeiten</a:t>
             </a:r>
-            <a:endParaRPr lang="de-DE"/>
           </a:p>
         </p:txBody>
       </p:sp>
@@ -365,38 +363,37 @@
           <a:p>
             <a:pPr lvl="0"/>
             <a:r>
-              <a:rPr lang="de-DE" smtClean="0"/>
+              <a:rPr lang="de-DE"/>
               <a:t>Textmasterformat bearbeiten</a:t>
             </a:r>
           </a:p>
           <a:p>
             <a:pPr lvl="1"/>
             <a:r>
-              <a:rPr lang="de-DE" smtClean="0"/>
+              <a:rPr lang="de-DE"/>
               <a:t>Zweite Ebene</a:t>
             </a:r>
           </a:p>
           <a:p>
             <a:pPr lvl="2"/>
             <a:r>
-              <a:rPr lang="de-DE" smtClean="0"/>
+              <a:rPr lang="de-DE"/>
               <a:t>Dritte Ebene</a:t>
             </a:r>
           </a:p>
           <a:p>
             <a:pPr lvl="3"/>
             <a:r>
-              <a:rPr lang="de-DE" smtClean="0"/>
+              <a:rPr lang="de-DE"/>
               <a:t>Vierte Ebene</a:t>
             </a:r>
           </a:p>
           <a:p>
             <a:pPr lvl="4"/>
             <a:r>
-              <a:rPr lang="de-DE" smtClean="0"/>
+              <a:rPr lang="de-DE"/>
               <a:t>Fünfte Ebene</a:t>
             </a:r>
-            <a:endParaRPr lang="de-DE"/>
           </a:p>
         </p:txBody>
       </p:sp>
@@ -417,7 +414,7 @@
           <a:p>
             <a:fld id="{3FB6FB5E-3506-4600-8D76-9780A4BAAB5B}" type="datetimeFigureOut">
               <a:rPr lang="de-DE" smtClean="0"/>
-              <a:t>25.04.16</a:t>
+              <a:t>27.04.2016</a:t>
             </a:fld>
             <a:endParaRPr lang="de-DE"/>
           </a:p>
@@ -459,7 +456,7 @@
           <a:p>
             <a:fld id="{1751340C-6FF8-4053-99C3-31B25C1EB4FC}" type="slidenum">
               <a:rPr lang="de-DE" smtClean="0"/>
-              <a:t>‹#›</a:t>
+              <a:t>‹Nr.›</a:t>
             </a:fld>
             <a:endParaRPr lang="de-DE"/>
           </a:p>
@@ -516,10 +513,9 @@
           <a:lstStyle/>
           <a:p>
             <a:r>
-              <a:rPr lang="de-DE" smtClean="0"/>
+              <a:rPr lang="de-DE"/>
               <a:t>Titelmasterformat durch Klicken bearbeiten</a:t>
             </a:r>
-            <a:endParaRPr lang="de-DE"/>
           </a:p>
         </p:txBody>
       </p:sp>
@@ -545,38 +541,37 @@
           <a:p>
             <a:pPr lvl="0"/>
             <a:r>
-              <a:rPr lang="de-DE" smtClean="0"/>
+              <a:rPr lang="de-DE"/>
               <a:t>Textmasterformat bearbeiten</a:t>
             </a:r>
           </a:p>
           <a:p>
             <a:pPr lvl="1"/>
             <a:r>
-              <a:rPr lang="de-DE" smtClean="0"/>
+              <a:rPr lang="de-DE"/>
               <a:t>Zweite Ebene</a:t>
             </a:r>
           </a:p>
           <a:p>
             <a:pPr lvl="2"/>
             <a:r>
-              <a:rPr lang="de-DE" smtClean="0"/>
+              <a:rPr lang="de-DE"/>
               <a:t>Dritte Ebene</a:t>
             </a:r>
           </a:p>
           <a:p>
             <a:pPr lvl="3"/>
             <a:r>
-              <a:rPr lang="de-DE" smtClean="0"/>
+              <a:rPr lang="de-DE"/>
               <a:t>Vierte Ebene</a:t>
             </a:r>
           </a:p>
           <a:p>
             <a:pPr lvl="4"/>
             <a:r>
-              <a:rPr lang="de-DE" smtClean="0"/>
+              <a:rPr lang="de-DE"/>
               <a:t>Fünfte Ebene</a:t>
             </a:r>
-            <a:endParaRPr lang="de-DE"/>
           </a:p>
         </p:txBody>
       </p:sp>
@@ -597,7 +592,7 @@
           <a:p>
             <a:fld id="{3FB6FB5E-3506-4600-8D76-9780A4BAAB5B}" type="datetimeFigureOut">
               <a:rPr lang="de-DE" smtClean="0"/>
-              <a:t>25.04.16</a:t>
+              <a:t>27.04.2016</a:t>
             </a:fld>
             <a:endParaRPr lang="de-DE"/>
           </a:p>
@@ -639,7 +634,7 @@
           <a:p>
             <a:fld id="{1751340C-6FF8-4053-99C3-31B25C1EB4FC}" type="slidenum">
               <a:rPr lang="de-DE" smtClean="0"/>
-              <a:t>‹#›</a:t>
+              <a:t>‹Nr.›</a:t>
             </a:fld>
             <a:endParaRPr lang="de-DE"/>
           </a:p>
@@ -691,10 +686,9 @@
           <a:lstStyle/>
           <a:p>
             <a:r>
-              <a:rPr lang="de-DE" smtClean="0"/>
+              <a:rPr lang="de-DE"/>
               <a:t>Titelmasterformat durch Klicken bearbeiten</a:t>
             </a:r>
-            <a:endParaRPr lang="de-DE"/>
           </a:p>
         </p:txBody>
       </p:sp>
@@ -715,38 +709,37 @@
           <a:p>
             <a:pPr lvl="0"/>
             <a:r>
-              <a:rPr lang="de-DE" smtClean="0"/>
+              <a:rPr lang="de-DE"/>
               <a:t>Textmasterformat bearbeiten</a:t>
             </a:r>
           </a:p>
           <a:p>
             <a:pPr lvl="1"/>
             <a:r>
-              <a:rPr lang="de-DE" smtClean="0"/>
+              <a:rPr lang="de-DE"/>
               <a:t>Zweite Ebene</a:t>
             </a:r>
           </a:p>
           <a:p>
             <a:pPr lvl="2"/>
             <a:r>
-              <a:rPr lang="de-DE" smtClean="0"/>
+              <a:rPr lang="de-DE"/>
               <a:t>Dritte Ebene</a:t>
             </a:r>
           </a:p>
           <a:p>
             <a:pPr lvl="3"/>
             <a:r>
-              <a:rPr lang="de-DE" smtClean="0"/>
+              <a:rPr lang="de-DE"/>
               <a:t>Vierte Ebene</a:t>
             </a:r>
           </a:p>
           <a:p>
             <a:pPr lvl="4"/>
             <a:r>
-              <a:rPr lang="de-DE" smtClean="0"/>
+              <a:rPr lang="de-DE"/>
               <a:t>Fünfte Ebene</a:t>
             </a:r>
-            <a:endParaRPr lang="de-DE"/>
           </a:p>
         </p:txBody>
       </p:sp>
@@ -767,7 +760,7 @@
           <a:p>
             <a:fld id="{3FB6FB5E-3506-4600-8D76-9780A4BAAB5B}" type="datetimeFigureOut">
               <a:rPr lang="de-DE" smtClean="0"/>
-              <a:t>25.04.16</a:t>
+              <a:t>27.04.2016</a:t>
             </a:fld>
             <a:endParaRPr lang="de-DE"/>
           </a:p>
@@ -809,7 +802,7 @@
           <a:p>
             <a:fld id="{1751340C-6FF8-4053-99C3-31B25C1EB4FC}" type="slidenum">
               <a:rPr lang="de-DE" smtClean="0"/>
-              <a:t>‹#›</a:t>
+              <a:t>‹Nr.›</a:t>
             </a:fld>
             <a:endParaRPr lang="de-DE"/>
           </a:p>
@@ -870,10 +863,9 @@
           </a:lstStyle>
           <a:p>
             <a:r>
-              <a:rPr lang="de-DE" smtClean="0"/>
+              <a:rPr lang="de-DE"/>
               <a:t>Titelmasterformat durch Klicken bearbeiten</a:t>
             </a:r>
-            <a:endParaRPr lang="de-DE"/>
           </a:p>
         </p:txBody>
       </p:sp>
@@ -990,7 +982,7 @@
           <a:p>
             <a:pPr lvl="0"/>
             <a:r>
-              <a:rPr lang="de-DE" smtClean="0"/>
+              <a:rPr lang="de-DE"/>
               <a:t>Textmasterformat bearbeiten</a:t>
             </a:r>
           </a:p>
@@ -1013,7 +1005,7 @@
           <a:p>
             <a:fld id="{3FB6FB5E-3506-4600-8D76-9780A4BAAB5B}" type="datetimeFigureOut">
               <a:rPr lang="de-DE" smtClean="0"/>
-              <a:t>25.04.16</a:t>
+              <a:t>27.04.2016</a:t>
             </a:fld>
             <a:endParaRPr lang="de-DE"/>
           </a:p>
@@ -1055,7 +1047,7 @@
           <a:p>
             <a:fld id="{1751340C-6FF8-4053-99C3-31B25C1EB4FC}" type="slidenum">
               <a:rPr lang="de-DE" smtClean="0"/>
-              <a:t>‹#›</a:t>
+              <a:t>‹Nr.›</a:t>
             </a:fld>
             <a:endParaRPr lang="de-DE"/>
           </a:p>
@@ -1107,10 +1099,9 @@
           <a:lstStyle/>
           <a:p>
             <a:r>
-              <a:rPr lang="de-DE" smtClean="0"/>
+              <a:rPr lang="de-DE"/>
               <a:t>Titelmasterformat durch Klicken bearbeiten</a:t>
             </a:r>
-            <a:endParaRPr lang="de-DE"/>
           </a:p>
         </p:txBody>
       </p:sp>
@@ -1136,38 +1127,37 @@
           <a:p>
             <a:pPr lvl="0"/>
             <a:r>
-              <a:rPr lang="de-DE" smtClean="0"/>
+              <a:rPr lang="de-DE"/>
               <a:t>Textmasterformat bearbeiten</a:t>
             </a:r>
           </a:p>
           <a:p>
             <a:pPr lvl="1"/>
             <a:r>
-              <a:rPr lang="de-DE" smtClean="0"/>
+              <a:rPr lang="de-DE"/>
               <a:t>Zweite Ebene</a:t>
             </a:r>
           </a:p>
           <a:p>
             <a:pPr lvl="2"/>
             <a:r>
-              <a:rPr lang="de-DE" smtClean="0"/>
+              <a:rPr lang="de-DE"/>
               <a:t>Dritte Ebene</a:t>
             </a:r>
           </a:p>
           <a:p>
             <a:pPr lvl="3"/>
             <a:r>
-              <a:rPr lang="de-DE" smtClean="0"/>
+              <a:rPr lang="de-DE"/>
               <a:t>Vierte Ebene</a:t>
             </a:r>
           </a:p>
           <a:p>
             <a:pPr lvl="4"/>
             <a:r>
-              <a:rPr lang="de-DE" smtClean="0"/>
+              <a:rPr lang="de-DE"/>
               <a:t>Fünfte Ebene</a:t>
             </a:r>
-            <a:endParaRPr lang="de-DE"/>
           </a:p>
         </p:txBody>
       </p:sp>
@@ -1193,38 +1183,37 @@
           <a:p>
             <a:pPr lvl="0"/>
             <a:r>
-              <a:rPr lang="de-DE" smtClean="0"/>
+              <a:rPr lang="de-DE"/>
               <a:t>Textmasterformat bearbeiten</a:t>
             </a:r>
           </a:p>
           <a:p>
             <a:pPr lvl="1"/>
             <a:r>
-              <a:rPr lang="de-DE" smtClean="0"/>
+              <a:rPr lang="de-DE"/>
               <a:t>Zweite Ebene</a:t>
             </a:r>
           </a:p>
           <a:p>
             <a:pPr lvl="2"/>
             <a:r>
-              <a:rPr lang="de-DE" smtClean="0"/>
+              <a:rPr lang="de-DE"/>
               <a:t>Dritte Ebene</a:t>
             </a:r>
           </a:p>
           <a:p>
             <a:pPr lvl="3"/>
             <a:r>
-              <a:rPr lang="de-DE" smtClean="0"/>
+              <a:rPr lang="de-DE"/>
               <a:t>Vierte Ebene</a:t>
             </a:r>
           </a:p>
           <a:p>
             <a:pPr lvl="4"/>
             <a:r>
-              <a:rPr lang="de-DE" smtClean="0"/>
+              <a:rPr lang="de-DE"/>
               <a:t>Fünfte Ebene</a:t>
             </a:r>
-            <a:endParaRPr lang="de-DE"/>
           </a:p>
         </p:txBody>
       </p:sp>
@@ -1245,7 +1234,7 @@
           <a:p>
             <a:fld id="{3FB6FB5E-3506-4600-8D76-9780A4BAAB5B}" type="datetimeFigureOut">
               <a:rPr lang="de-DE" smtClean="0"/>
-              <a:t>25.04.16</a:t>
+              <a:t>27.04.2016</a:t>
             </a:fld>
             <a:endParaRPr lang="de-DE"/>
           </a:p>
@@ -1287,7 +1276,7 @@
           <a:p>
             <a:fld id="{1751340C-6FF8-4053-99C3-31B25C1EB4FC}" type="slidenum">
               <a:rPr lang="de-DE" smtClean="0"/>
-              <a:t>‹#›</a:t>
+              <a:t>‹Nr.›</a:t>
             </a:fld>
             <a:endParaRPr lang="de-DE"/>
           </a:p>
@@ -1344,10 +1333,9 @@
           <a:lstStyle/>
           <a:p>
             <a:r>
-              <a:rPr lang="de-DE" smtClean="0"/>
+              <a:rPr lang="de-DE"/>
               <a:t>Titelmasterformat durch Klicken bearbeiten</a:t>
             </a:r>
-            <a:endParaRPr lang="de-DE"/>
           </a:p>
         </p:txBody>
       </p:sp>
@@ -1410,7 +1398,7 @@
           <a:p>
             <a:pPr lvl="0"/>
             <a:r>
-              <a:rPr lang="de-DE" smtClean="0"/>
+              <a:rPr lang="de-DE"/>
               <a:t>Textmasterformat bearbeiten</a:t>
             </a:r>
           </a:p>
@@ -1438,38 +1426,37 @@
           <a:p>
             <a:pPr lvl="0"/>
             <a:r>
-              <a:rPr lang="de-DE" smtClean="0"/>
+              <a:rPr lang="de-DE"/>
               <a:t>Textmasterformat bearbeiten</a:t>
             </a:r>
           </a:p>
           <a:p>
             <a:pPr lvl="1"/>
             <a:r>
-              <a:rPr lang="de-DE" smtClean="0"/>
+              <a:rPr lang="de-DE"/>
               <a:t>Zweite Ebene</a:t>
             </a:r>
           </a:p>
           <a:p>
             <a:pPr lvl="2"/>
             <a:r>
-              <a:rPr lang="de-DE" smtClean="0"/>
+              <a:rPr lang="de-DE"/>
               <a:t>Dritte Ebene</a:t>
             </a:r>
           </a:p>
           <a:p>
             <a:pPr lvl="3"/>
             <a:r>
-              <a:rPr lang="de-DE" smtClean="0"/>
+              <a:rPr lang="de-DE"/>
               <a:t>Vierte Ebene</a:t>
             </a:r>
           </a:p>
           <a:p>
             <a:pPr lvl="4"/>
             <a:r>
-              <a:rPr lang="de-DE" smtClean="0"/>
+              <a:rPr lang="de-DE"/>
               <a:t>Fünfte Ebene</a:t>
             </a:r>
-            <a:endParaRPr lang="de-DE"/>
           </a:p>
         </p:txBody>
       </p:sp>
@@ -1532,7 +1519,7 @@
           <a:p>
             <a:pPr lvl="0"/>
             <a:r>
-              <a:rPr lang="de-DE" smtClean="0"/>
+              <a:rPr lang="de-DE"/>
               <a:t>Textmasterformat bearbeiten</a:t>
             </a:r>
           </a:p>
@@ -1560,38 +1547,37 @@
           <a:p>
             <a:pPr lvl="0"/>
             <a:r>
-              <a:rPr lang="de-DE" smtClean="0"/>
+              <a:rPr lang="de-DE"/>
               <a:t>Textmasterformat bearbeiten</a:t>
             </a:r>
           </a:p>
           <a:p>
             <a:pPr lvl="1"/>
             <a:r>
-              <a:rPr lang="de-DE" smtClean="0"/>
+              <a:rPr lang="de-DE"/>
               <a:t>Zweite Ebene</a:t>
             </a:r>
           </a:p>
           <a:p>
             <a:pPr lvl="2"/>
             <a:r>
-              <a:rPr lang="de-DE" smtClean="0"/>
+              <a:rPr lang="de-DE"/>
               <a:t>Dritte Ebene</a:t>
             </a:r>
           </a:p>
           <a:p>
             <a:pPr lvl="3"/>
             <a:r>
-              <a:rPr lang="de-DE" smtClean="0"/>
+              <a:rPr lang="de-DE"/>
               <a:t>Vierte Ebene</a:t>
             </a:r>
           </a:p>
           <a:p>
             <a:pPr lvl="4"/>
             <a:r>
-              <a:rPr lang="de-DE" smtClean="0"/>
+              <a:rPr lang="de-DE"/>
               <a:t>Fünfte Ebene</a:t>
             </a:r>
-            <a:endParaRPr lang="de-DE"/>
           </a:p>
         </p:txBody>
       </p:sp>
@@ -1612,7 +1598,7 @@
           <a:p>
             <a:fld id="{3FB6FB5E-3506-4600-8D76-9780A4BAAB5B}" type="datetimeFigureOut">
               <a:rPr lang="de-DE" smtClean="0"/>
-              <a:t>25.04.16</a:t>
+              <a:t>27.04.2016</a:t>
             </a:fld>
             <a:endParaRPr lang="de-DE"/>
           </a:p>
@@ -1654,7 +1640,7 @@
           <a:p>
             <a:fld id="{1751340C-6FF8-4053-99C3-31B25C1EB4FC}" type="slidenum">
               <a:rPr lang="de-DE" smtClean="0"/>
-              <a:t>‹#›</a:t>
+              <a:t>‹Nr.›</a:t>
             </a:fld>
             <a:endParaRPr lang="de-DE"/>
           </a:p>
@@ -1706,10 +1692,9 @@
           <a:lstStyle/>
           <a:p>
             <a:r>
-              <a:rPr lang="de-DE" smtClean="0"/>
+              <a:rPr lang="de-DE"/>
               <a:t>Titelmasterformat durch Klicken bearbeiten</a:t>
             </a:r>
-            <a:endParaRPr lang="de-DE"/>
           </a:p>
         </p:txBody>
       </p:sp>
@@ -1730,7 +1715,7 @@
           <a:p>
             <a:fld id="{3FB6FB5E-3506-4600-8D76-9780A4BAAB5B}" type="datetimeFigureOut">
               <a:rPr lang="de-DE" smtClean="0"/>
-              <a:t>25.04.16</a:t>
+              <a:t>27.04.2016</a:t>
             </a:fld>
             <a:endParaRPr lang="de-DE"/>
           </a:p>
@@ -1772,7 +1757,7 @@
           <a:p>
             <a:fld id="{1751340C-6FF8-4053-99C3-31B25C1EB4FC}" type="slidenum">
               <a:rPr lang="de-DE" smtClean="0"/>
-              <a:t>‹#›</a:t>
+              <a:t>‹Nr.›</a:t>
             </a:fld>
             <a:endParaRPr lang="de-DE"/>
           </a:p>
@@ -1825,7 +1810,7 @@
           <a:p>
             <a:fld id="{3FB6FB5E-3506-4600-8D76-9780A4BAAB5B}" type="datetimeFigureOut">
               <a:rPr lang="de-DE" smtClean="0"/>
-              <a:t>25.04.16</a:t>
+              <a:t>27.04.2016</a:t>
             </a:fld>
             <a:endParaRPr lang="de-DE"/>
           </a:p>
@@ -1867,7 +1852,7 @@
           <a:p>
             <a:fld id="{1751340C-6FF8-4053-99C3-31B25C1EB4FC}" type="slidenum">
               <a:rPr lang="de-DE" smtClean="0"/>
-              <a:t>‹#›</a:t>
+              <a:t>‹Nr.›</a:t>
             </a:fld>
             <a:endParaRPr lang="de-DE"/>
           </a:p>
@@ -1928,10 +1913,9 @@
           </a:lstStyle>
           <a:p>
             <a:r>
-              <a:rPr lang="de-DE" smtClean="0"/>
+              <a:rPr lang="de-DE"/>
               <a:t>Titelmasterformat durch Klicken bearbeiten</a:t>
             </a:r>
-            <a:endParaRPr lang="de-DE"/>
           </a:p>
         </p:txBody>
       </p:sp>
@@ -1985,38 +1969,37 @@
           <a:p>
             <a:pPr lvl="0"/>
             <a:r>
-              <a:rPr lang="de-DE" smtClean="0"/>
+              <a:rPr lang="de-DE"/>
               <a:t>Textmasterformat bearbeiten</a:t>
             </a:r>
           </a:p>
           <a:p>
             <a:pPr lvl="1"/>
             <a:r>
-              <a:rPr lang="de-DE" smtClean="0"/>
+              <a:rPr lang="de-DE"/>
               <a:t>Zweite Ebene</a:t>
             </a:r>
           </a:p>
           <a:p>
             <a:pPr lvl="2"/>
             <a:r>
-              <a:rPr lang="de-DE" smtClean="0"/>
+              <a:rPr lang="de-DE"/>
               <a:t>Dritte Ebene</a:t>
             </a:r>
           </a:p>
           <a:p>
             <a:pPr lvl="3"/>
             <a:r>
-              <a:rPr lang="de-DE" smtClean="0"/>
+              <a:rPr lang="de-DE"/>
               <a:t>Vierte Ebene</a:t>
             </a:r>
           </a:p>
           <a:p>
             <a:pPr lvl="4"/>
             <a:r>
-              <a:rPr lang="de-DE" smtClean="0"/>
+              <a:rPr lang="de-DE"/>
               <a:t>Fünfte Ebene</a:t>
             </a:r>
-            <a:endParaRPr lang="de-DE"/>
           </a:p>
         </p:txBody>
       </p:sp>
@@ -2079,7 +2062,7 @@
           <a:p>
             <a:pPr lvl="0"/>
             <a:r>
-              <a:rPr lang="de-DE" smtClean="0"/>
+              <a:rPr lang="de-DE"/>
               <a:t>Textmasterformat bearbeiten</a:t>
             </a:r>
           </a:p>
@@ -2102,7 +2085,7 @@
           <a:p>
             <a:fld id="{3FB6FB5E-3506-4600-8D76-9780A4BAAB5B}" type="datetimeFigureOut">
               <a:rPr lang="de-DE" smtClean="0"/>
-              <a:t>25.04.16</a:t>
+              <a:t>27.04.2016</a:t>
             </a:fld>
             <a:endParaRPr lang="de-DE"/>
           </a:p>
@@ -2144,7 +2127,7 @@
           <a:p>
             <a:fld id="{1751340C-6FF8-4053-99C3-31B25C1EB4FC}" type="slidenum">
               <a:rPr lang="de-DE" smtClean="0"/>
-              <a:t>‹#›</a:t>
+              <a:t>‹Nr.›</a:t>
             </a:fld>
             <a:endParaRPr lang="de-DE"/>
           </a:p>
@@ -2205,10 +2188,9 @@
           </a:lstStyle>
           <a:p>
             <a:r>
-              <a:rPr lang="de-DE" smtClean="0"/>
+              <a:rPr lang="de-DE"/>
               <a:t>Titelmasterformat durch Klicken bearbeiten</a:t>
             </a:r>
-            <a:endParaRPr lang="de-DE"/>
           </a:p>
         </p:txBody>
       </p:sp>
@@ -2332,7 +2314,7 @@
           <a:p>
             <a:pPr lvl="0"/>
             <a:r>
-              <a:rPr lang="de-DE" smtClean="0"/>
+              <a:rPr lang="de-DE"/>
               <a:t>Textmasterformat bearbeiten</a:t>
             </a:r>
           </a:p>
@@ -2355,7 +2337,7 @@
           <a:p>
             <a:fld id="{3FB6FB5E-3506-4600-8D76-9780A4BAAB5B}" type="datetimeFigureOut">
               <a:rPr lang="de-DE" smtClean="0"/>
-              <a:t>25.04.16</a:t>
+              <a:t>27.04.2016</a:t>
             </a:fld>
             <a:endParaRPr lang="de-DE"/>
           </a:p>
@@ -2397,7 +2379,7 @@
           <a:p>
             <a:fld id="{1751340C-6FF8-4053-99C3-31B25C1EB4FC}" type="slidenum">
               <a:rPr lang="de-DE" smtClean="0"/>
-              <a:t>‹#›</a:t>
+              <a:t>‹Nr.›</a:t>
             </a:fld>
             <a:endParaRPr lang="de-DE"/>
           </a:p>
@@ -2464,10 +2446,9 @@
           <a:lstStyle/>
           <a:p>
             <a:r>
-              <a:rPr lang="de-DE" smtClean="0"/>
+              <a:rPr lang="de-DE"/>
               <a:t>Titelmasterformat durch Klicken bearbeiten</a:t>
             </a:r>
-            <a:endParaRPr lang="de-DE"/>
           </a:p>
         </p:txBody>
       </p:sp>
@@ -2498,38 +2479,37 @@
           <a:p>
             <a:pPr lvl="0"/>
             <a:r>
-              <a:rPr lang="de-DE" smtClean="0"/>
+              <a:rPr lang="de-DE"/>
               <a:t>Textmasterformat bearbeiten</a:t>
             </a:r>
           </a:p>
           <a:p>
             <a:pPr lvl="1"/>
             <a:r>
-              <a:rPr lang="de-DE" smtClean="0"/>
+              <a:rPr lang="de-DE"/>
               <a:t>Zweite Ebene</a:t>
             </a:r>
           </a:p>
           <a:p>
             <a:pPr lvl="2"/>
             <a:r>
-              <a:rPr lang="de-DE" smtClean="0"/>
+              <a:rPr lang="de-DE"/>
               <a:t>Dritte Ebene</a:t>
             </a:r>
           </a:p>
           <a:p>
             <a:pPr lvl="3"/>
             <a:r>
-              <a:rPr lang="de-DE" smtClean="0"/>
+              <a:rPr lang="de-DE"/>
               <a:t>Vierte Ebene</a:t>
             </a:r>
           </a:p>
           <a:p>
             <a:pPr lvl="4"/>
             <a:r>
-              <a:rPr lang="de-DE" smtClean="0"/>
+              <a:rPr lang="de-DE"/>
               <a:t>Fünfte Ebene</a:t>
             </a:r>
-            <a:endParaRPr lang="de-DE"/>
           </a:p>
         </p:txBody>
       </p:sp>
@@ -2568,7 +2548,7 @@
           <a:p>
             <a:fld id="{3FB6FB5E-3506-4600-8D76-9780A4BAAB5B}" type="datetimeFigureOut">
               <a:rPr lang="de-DE" smtClean="0"/>
-              <a:t>25.04.16</a:t>
+              <a:t>27.04.2016</a:t>
             </a:fld>
             <a:endParaRPr lang="de-DE"/>
           </a:p>
@@ -2646,7 +2626,7 @@
           <a:p>
             <a:fld id="{1751340C-6FF8-4053-99C3-31B25C1EB4FC}" type="slidenum">
               <a:rPr lang="de-DE" smtClean="0"/>
-              <a:t>‹#›</a:t>
+              <a:t>‹Nr.›</a:t>
             </a:fld>
             <a:endParaRPr lang="de-DE"/>
           </a:p>
@@ -2989,10 +2969,9 @@
           <a:lstStyle/>
           <a:p>
             <a:r>
-              <a:rPr lang="de-DE" dirty="0" smtClean="0"/>
+              <a:rPr lang="de-DE" dirty="0"/>
               <a:t>London Crime Data</a:t>
             </a:r>
-            <a:endParaRPr lang="de-DE" dirty="0"/>
           </a:p>
         </p:txBody>
       </p:sp>
@@ -3012,26 +2991,25 @@
           <a:lstStyle/>
           <a:p>
             <a:r>
-              <a:rPr lang="en-US" dirty="0" smtClean="0"/>
+              <a:rPr lang="en-US" dirty="0"/>
               <a:t>Fabian </a:t>
             </a:r>
             <a:r>
-              <a:rPr lang="en-US" dirty="0" err="1" smtClean="0"/>
+              <a:rPr lang="en-US" dirty="0" err="1"/>
               <a:t>Sperrle</a:t>
             </a:r>
             <a:r>
-              <a:rPr lang="en-US" dirty="0" smtClean="0"/>
+              <a:rPr lang="en-US" dirty="0"/>
               <a:t>, Fabio Br</a:t>
             </a:r>
             <a:r>
-              <a:rPr lang="de-DE" dirty="0" err="1" smtClean="0"/>
+              <a:rPr lang="de-DE" dirty="0" err="1"/>
               <a:t>ückel</a:t>
             </a:r>
             <a:r>
-              <a:rPr lang="de-DE" dirty="0" smtClean="0"/>
+              <a:rPr lang="de-DE" dirty="0"/>
               <a:t>, Matthias Miller, Matthias Kraus</a:t>
             </a:r>
-            <a:endParaRPr lang="de-DE" dirty="0"/>
           </a:p>
         </p:txBody>
       </p:sp>
@@ -3081,10 +3059,9 @@
           <a:lstStyle/>
           <a:p>
             <a:r>
-              <a:rPr lang="de-DE" dirty="0" smtClean="0"/>
+              <a:rPr lang="de-DE" dirty="0"/>
               <a:t>Data</a:t>
             </a:r>
-            <a:endParaRPr lang="de-DE" dirty="0"/>
           </a:p>
         </p:txBody>
       </p:sp>
@@ -3106,23 +3083,23 @@
           <a:lstStyle/>
           <a:p>
             <a:r>
-              <a:rPr lang="en-US" dirty="0" smtClean="0"/>
+              <a:rPr lang="en-US" dirty="0"/>
               <a:t>Month,</a:t>
             </a:r>
           </a:p>
           <a:p>
             <a:r>
-              <a:rPr lang="en-US" dirty="0" smtClean="0"/>
+              <a:rPr lang="en-US" dirty="0"/>
               <a:t>Longitude, Latitude, </a:t>
             </a:r>
           </a:p>
           <a:p>
             <a:r>
-              <a:rPr lang="en-US" dirty="0" smtClean="0"/>
+              <a:rPr lang="en-US" dirty="0"/>
               <a:t>Location </a:t>
             </a:r>
             <a:r>
-              <a:rPr lang="en-US" sz="2400" dirty="0" smtClean="0">
+              <a:rPr lang="en-US" sz="2400" dirty="0">
                 <a:solidFill>
                   <a:schemeClr val="bg1">
                     <a:lumMod val="50000"/>
@@ -3132,7 +3109,7 @@
               <a:t>(description - e.g. “on or near </a:t>
             </a:r>
             <a:r>
-              <a:rPr lang="en-US" sz="2400" dirty="0" err="1" smtClean="0">
+              <a:rPr lang="en-US" sz="2400" dirty="0" err="1">
                 <a:solidFill>
                   <a:schemeClr val="bg1">
                     <a:lumMod val="50000"/>
@@ -3142,7 +3119,7 @@
               <a:t>nobel</a:t>
             </a:r>
             <a:r>
-              <a:rPr lang="en-US" sz="2400" dirty="0" smtClean="0">
+              <a:rPr lang="en-US" sz="2400" dirty="0">
                 <a:solidFill>
                   <a:schemeClr val="bg1">
                     <a:lumMod val="50000"/>
@@ -3151,7 +3128,7 @@
               </a:rPr>
               <a:t> street”),</a:t>
             </a:r>
-            <a:endParaRPr lang="en-US" dirty="0" smtClean="0">
+            <a:endParaRPr lang="en-US" dirty="0">
               <a:solidFill>
                 <a:schemeClr val="bg1">
                   <a:lumMod val="50000"/>
@@ -3161,19 +3138,11 @@
           </a:p>
           <a:p>
             <a:r>
-              <a:rPr lang="en-US" dirty="0" smtClean="0"/>
-              <a:t>LSOA </a:t>
-            </a:r>
-            <a:r>
               <a:rPr lang="en-US" dirty="0"/>
-              <a:t>code</a:t>
-            </a:r>
-            <a:r>
-              <a:rPr lang="en-US" dirty="0" smtClean="0"/>
-              <a:t>, LSOA name </a:t>
-            </a:r>
-            <a:r>
-              <a:rPr lang="en-US" sz="2400" dirty="0" smtClean="0">
+              <a:t>LSOA code, LSOA name </a:t>
+            </a:r>
+            <a:r>
+              <a:rPr lang="en-US" sz="2400" dirty="0">
                 <a:solidFill>
                   <a:schemeClr val="bg1">
                     <a:lumMod val="50000"/>
@@ -3183,7 +3152,7 @@
               <a:t>(city district – </a:t>
             </a:r>
             <a:r>
-              <a:rPr lang="en-US" sz="2400" dirty="0" err="1" smtClean="0">
+              <a:rPr lang="en-US" sz="2400" dirty="0" err="1">
                 <a:solidFill>
                   <a:schemeClr val="bg1">
                     <a:lumMod val="50000"/>
@@ -3193,7 +3162,7 @@
               <a:t>e.g.“Camden</a:t>
             </a:r>
             <a:r>
-              <a:rPr lang="en-US" sz="2400" dirty="0" smtClean="0">
+              <a:rPr lang="en-US" sz="2400" dirty="0">
                 <a:solidFill>
                   <a:schemeClr val="bg1">
                     <a:lumMod val="50000"/>
@@ -3205,11 +3174,11 @@
           </a:p>
           <a:p>
             <a:r>
-              <a:rPr lang="en-US" dirty="0" smtClean="0"/>
+              <a:rPr lang="en-US" dirty="0"/>
               <a:t>Crime type </a:t>
             </a:r>
             <a:r>
-              <a:rPr lang="en-US" sz="2400" dirty="0" smtClean="0">
+              <a:rPr lang="en-US" sz="2400" dirty="0">
                 <a:solidFill>
                   <a:schemeClr val="bg1">
                     <a:lumMod val="50000"/>
@@ -3218,7 +3187,7 @@
               </a:rPr>
               <a:t>(e.g. “drugs possession”), </a:t>
             </a:r>
-            <a:endParaRPr lang="en-US" dirty="0" smtClean="0">
+            <a:endParaRPr lang="en-US" dirty="0">
               <a:solidFill>
                 <a:schemeClr val="bg1">
                   <a:lumMod val="50000"/>
@@ -3228,11 +3197,11 @@
           </a:p>
           <a:p>
             <a:r>
-              <a:rPr lang="en-US" dirty="0" smtClean="0"/>
+              <a:rPr lang="en-US" dirty="0"/>
               <a:t>Outcome </a:t>
             </a:r>
             <a:r>
-              <a:rPr lang="en-US" sz="2400" dirty="0" smtClean="0">
+              <a:rPr lang="en-US" sz="2400" dirty="0">
                 <a:solidFill>
                   <a:schemeClr val="bg1">
                     <a:lumMod val="50000"/>
@@ -3247,11 +3216,11 @@
           </a:p>
           <a:p>
             <a:r>
-              <a:rPr lang="en-US" dirty="0" smtClean="0"/>
+              <a:rPr lang="en-US" dirty="0"/>
               <a:t>Other: Crime ID, Reported by </a:t>
             </a:r>
             <a:r>
-              <a:rPr lang="en-US" sz="2400" dirty="0" smtClean="0">
+              <a:rPr lang="en-US" sz="2400" dirty="0">
                 <a:solidFill>
                   <a:schemeClr val="bg1">
                     <a:lumMod val="50000"/>
@@ -3261,11 +3230,11 @@
               <a:t>(police district), </a:t>
             </a:r>
             <a:r>
-              <a:rPr lang="en-US" dirty="0" smtClean="0"/>
+              <a:rPr lang="en-US" dirty="0"/>
               <a:t>Falls within </a:t>
             </a:r>
             <a:r>
-              <a:rPr lang="en-US" sz="2400" dirty="0" smtClean="0">
+              <a:rPr lang="en-US" sz="2400" dirty="0">
                 <a:solidFill>
                   <a:schemeClr val="bg1">
                     <a:lumMod val="50000"/>
@@ -3275,7 +3244,7 @@
               <a:t>(police district)</a:t>
             </a:r>
             <a:r>
-              <a:rPr lang="en-US" dirty="0" smtClean="0"/>
+              <a:rPr lang="en-US" dirty="0"/>
               <a:t> </a:t>
             </a:r>
             <a:endParaRPr lang="de-DE" dirty="0"/>
@@ -3328,22 +3297,21 @@
           <a:lstStyle/>
           <a:p>
             <a:r>
-              <a:rPr lang="de-DE" dirty="0" err="1" smtClean="0"/>
+              <a:rPr lang="de-DE" dirty="0" err="1"/>
               <a:t>Visualization</a:t>
             </a:r>
             <a:r>
-              <a:rPr lang="de-DE" dirty="0" smtClean="0"/>
+              <a:rPr lang="de-DE" dirty="0"/>
               <a:t> </a:t>
             </a:r>
             <a:r>
-              <a:rPr lang="de-DE" dirty="0" err="1" smtClean="0"/>
+              <a:rPr lang="de-DE" dirty="0" err="1"/>
               <a:t>Possibilities</a:t>
             </a:r>
             <a:r>
-              <a:rPr lang="de-DE" dirty="0" smtClean="0"/>
+              <a:rPr lang="de-DE" dirty="0"/>
               <a:t>	</a:t>
             </a:r>
-            <a:endParaRPr lang="de-DE" dirty="0"/>
           </a:p>
         </p:txBody>
       </p:sp>
@@ -3422,27 +3390,26 @@
           <a:lstStyle/>
           <a:p>
             <a:r>
-              <a:rPr lang="de-DE" dirty="0" err="1" smtClean="0"/>
+              <a:rPr lang="de-DE" dirty="0" err="1"/>
               <a:t>Visualization</a:t>
             </a:r>
             <a:r>
-              <a:rPr lang="de-DE" dirty="0" smtClean="0"/>
+              <a:rPr lang="de-DE" dirty="0"/>
               <a:t> </a:t>
             </a:r>
             <a:r>
-              <a:rPr lang="de-DE" dirty="0" err="1" smtClean="0"/>
+              <a:rPr lang="de-DE" dirty="0" err="1"/>
               <a:t>Possibilities</a:t>
             </a:r>
             <a:r>
-              <a:rPr lang="de-DE" dirty="0" smtClean="0"/>
+              <a:rPr lang="de-DE" dirty="0"/>
               <a:t>	</a:t>
             </a:r>
-            <a:endParaRPr lang="de-DE" dirty="0"/>
-          </a:p>
-        </p:txBody>
-      </p:sp>
-      <mc:AlternateContent xmlns:mc="http://schemas.openxmlformats.org/markup-compatibility/2006" xmlns:a14="http://schemas.microsoft.com/office/drawing/2010/main">
-        <mc:Choice Requires="a14">
+          </a:p>
+        </p:txBody>
+      </p:sp>
+      <mc:AlternateContent xmlns:mc="http://schemas.openxmlformats.org/markup-compatibility/2006">
+        <mc:Choice xmlns:a14="http://schemas.microsoft.com/office/drawing/2010/main" Requires="a14">
           <p:sp>
             <p:nvSpPr>
               <p:cNvPr id="3" name="Inhaltsplatzhalter 2"/>
@@ -3459,122 +3426,118 @@
               <a:lstStyle/>
               <a:p>
                 <a:r>
-                  <a:rPr lang="de-DE" dirty="0" smtClean="0"/>
+                  <a:rPr lang="de-DE" dirty="0"/>
                   <a:t>C</a:t>
                 </a:r>
                 <a:r>
-                  <a:rPr lang="de-DE" dirty="0" err="1" smtClean="0"/>
+                  <a:rPr lang="de-DE" dirty="0" err="1"/>
                   <a:t>horopleth</a:t>
                 </a:r>
                 <a:r>
-                  <a:rPr lang="de-DE" dirty="0" smtClean="0"/>
+                  <a:rPr lang="de-DE" dirty="0"/>
                   <a:t> </a:t>
                 </a:r>
                 <a:r>
-                  <a:rPr lang="de-DE" dirty="0" err="1" smtClean="0"/>
+                  <a:rPr lang="de-DE" dirty="0" err="1"/>
                   <a:t>map</a:t>
                 </a:r>
-                <a:endParaRPr lang="de-DE" dirty="0" smtClean="0"/>
+                <a:endParaRPr lang="de-DE" dirty="0"/>
               </a:p>
               <a:p>
                 <a:pPr lvl="1"/>
                 <a:r>
-                  <a:rPr lang="de-DE" dirty="0" err="1" smtClean="0"/>
+                  <a:rPr lang="de-DE" dirty="0" err="1"/>
                   <a:t>By</a:t>
                 </a:r>
                 <a:r>
-                  <a:rPr lang="de-DE" dirty="0" smtClean="0"/>
+                  <a:rPr lang="de-DE" dirty="0"/>
                   <a:t> </a:t>
                 </a:r>
                 <a:r>
                   <a:rPr lang="de-DE" dirty="0" err="1"/>
-                  <a:t>c</a:t>
+                  <a:t>crimetype</a:t>
                 </a:r>
-                <a:r>
-                  <a:rPr lang="de-DE" dirty="0" err="1" smtClean="0"/>
-                  <a:t>rimetype</a:t>
-                </a:r>
-                <a:endParaRPr lang="de-DE" dirty="0" smtClean="0"/>
+                <a:endParaRPr lang="de-DE" dirty="0"/>
               </a:p>
               <a:p>
                 <a:pPr lvl="1"/>
                 <a:r>
-                  <a:rPr lang="de-DE" dirty="0" smtClean="0"/>
+                  <a:rPr lang="de-DE" dirty="0"/>
                   <a:t>Over time (</a:t>
                 </a:r>
                 <a:r>
-                  <a:rPr lang="de-DE" dirty="0" err="1" smtClean="0"/>
+                  <a:rPr lang="de-DE" dirty="0" err="1"/>
                   <a:t>datapoints</a:t>
                 </a:r>
                 <a:r>
-                  <a:rPr lang="de-DE" dirty="0" smtClean="0"/>
+                  <a:rPr lang="de-DE" dirty="0"/>
                   <a:t> </a:t>
                 </a:r>
                 <a:r>
-                  <a:rPr lang="de-DE" dirty="0" err="1" smtClean="0"/>
+                  <a:rPr lang="de-DE" dirty="0" err="1"/>
                   <a:t>connected</a:t>
                 </a:r>
                 <a:r>
-                  <a:rPr lang="de-DE" dirty="0" smtClean="0"/>
+                  <a:rPr lang="de-DE" dirty="0"/>
                   <a:t> </a:t>
                 </a:r>
                 <a:r>
-                  <a:rPr lang="de-DE" dirty="0" err="1" smtClean="0"/>
+                  <a:rPr lang="de-DE" dirty="0" err="1"/>
                   <a:t>to</a:t>
                 </a:r>
                 <a:r>
-                  <a:rPr lang="de-DE" dirty="0" smtClean="0"/>
+                  <a:rPr lang="de-DE" dirty="0"/>
                   <a:t> </a:t>
                 </a:r>
                 <a:r>
-                  <a:rPr lang="de-DE" dirty="0" err="1" smtClean="0"/>
+                  <a:rPr lang="de-DE" dirty="0" err="1"/>
                   <a:t>scatterplot</a:t>
                 </a:r>
                 <a:r>
-                  <a:rPr lang="de-DE" dirty="0" smtClean="0"/>
+                  <a:rPr lang="de-DE" dirty="0"/>
                   <a:t>/time-</a:t>
                 </a:r>
                 <a:r>
-                  <a:rPr lang="de-DE" dirty="0" err="1" smtClean="0"/>
+                  <a:rPr lang="de-DE" dirty="0" err="1"/>
                   <a:t>series</a:t>
                 </a:r>
                 <a:r>
-                  <a:rPr lang="de-DE" dirty="0" smtClean="0"/>
+                  <a:rPr lang="de-DE" dirty="0"/>
                   <a:t> </a:t>
                 </a:r>
                 <a:r>
-                  <a:rPr lang="de-DE" dirty="0" err="1" smtClean="0"/>
+                  <a:rPr lang="de-DE" dirty="0" err="1"/>
                   <a:t>graph</a:t>
                 </a:r>
                 <a:r>
-                  <a:rPr lang="de-DE" dirty="0" smtClean="0"/>
+                  <a:rPr lang="de-DE" dirty="0"/>
                   <a:t>)</a:t>
                 </a:r>
               </a:p>
               <a:p>
                 <a:pPr lvl="1"/>
                 <a:r>
-                  <a:rPr lang="de-DE" dirty="0" err="1" smtClean="0"/>
-                  <a:t>Scaleable</a:t>
+                  <a:rPr lang="de-DE" dirty="0" err="1"/>
+                  <a:t>Scalable</a:t>
                 </a:r>
                 <a:r>
-                  <a:rPr lang="de-DE" dirty="0" smtClean="0"/>
+                  <a:rPr lang="de-DE" dirty="0"/>
                   <a:t> (</a:t>
                 </a:r>
                 <a:r>
-                  <a:rPr lang="de-DE" dirty="0" err="1" smtClean="0"/>
+                  <a:rPr lang="de-DE" dirty="0" err="1"/>
                   <a:t>details</a:t>
                 </a:r>
                 <a:r>
-                  <a:rPr lang="de-DE" dirty="0" smtClean="0"/>
+                  <a:rPr lang="de-DE" dirty="0"/>
                   <a:t> on </a:t>
                 </a:r>
                 <a:r>
-                  <a:rPr lang="de-DE" dirty="0" err="1" smtClean="0"/>
+                  <a:rPr lang="de-DE" dirty="0" err="1"/>
                   <a:t>demand</a:t>
                 </a:r>
                 <a:r>
-                  <a:rPr lang="de-DE" dirty="0" smtClean="0"/>
+                  <a:rPr lang="de-DE" dirty="0"/>
                   <a:t>) </a:t>
                 </a:r>
                 <a14:m>
@@ -3588,82 +3551,87 @@
                   </m:oMath>
                 </a14:m>
                 <a:r>
-                  <a:rPr lang="en-US" dirty="0" smtClean="0"/>
+                  <a:rPr lang="en-US" dirty="0"/>
                   <a:t> heatmap</a:t>
                 </a:r>
-                <a:endParaRPr lang="de-DE" dirty="0" smtClean="0"/>
+                <a:endParaRPr lang="de-DE" dirty="0"/>
               </a:p>
               <a:p>
                 <a:r>
-                  <a:rPr lang="de-DE" dirty="0" err="1" smtClean="0"/>
+                  <a:rPr lang="de-DE" dirty="0" err="1"/>
                   <a:t>Crimes</a:t>
                 </a:r>
                 <a:r>
-                  <a:rPr lang="de-DE" dirty="0" smtClean="0"/>
+                  <a:rPr lang="de-DE" dirty="0"/>
                   <a:t> </a:t>
                 </a:r>
                 <a:r>
-                  <a:rPr lang="de-DE" dirty="0" err="1" smtClean="0"/>
+                  <a:rPr lang="de-DE" dirty="0" err="1"/>
                   <a:t>by</a:t>
                 </a:r>
                 <a:r>
-                  <a:rPr lang="de-DE" dirty="0" smtClean="0"/>
+                  <a:rPr lang="de-DE" dirty="0"/>
                   <a:t> Year/</a:t>
                 </a:r>
                 <a:r>
-                  <a:rPr lang="de-DE" dirty="0" err="1" smtClean="0"/>
+                  <a:rPr lang="de-DE" dirty="0" err="1"/>
                   <a:t>Month</a:t>
                 </a:r>
                 <a:r>
-                  <a:rPr lang="de-DE" dirty="0" smtClean="0"/>
+                  <a:rPr lang="de-DE" dirty="0"/>
                   <a:t> – </a:t>
                 </a:r>
                 <a:r>
-                  <a:rPr lang="de-DE" dirty="0" err="1" smtClean="0"/>
+                  <a:rPr lang="de-DE" dirty="0" err="1"/>
                   <a:t>Slope</a:t>
                 </a:r>
                 <a:r>
-                  <a:rPr lang="de-DE" dirty="0" smtClean="0"/>
+                  <a:rPr lang="de-DE" dirty="0"/>
                   <a:t>/</a:t>
                 </a:r>
                 <a:r>
-                  <a:rPr lang="de-DE" dirty="0" err="1" smtClean="0"/>
+                  <a:rPr lang="de-DE" dirty="0" err="1"/>
                   <a:t>Horizon</a:t>
                 </a:r>
                 <a:r>
-                  <a:rPr lang="de-DE" dirty="0" smtClean="0"/>
+                  <a:rPr lang="de-DE" dirty="0"/>
                   <a:t> </a:t>
                 </a:r>
                 <a:r>
-                  <a:rPr lang="de-DE" dirty="0" err="1" smtClean="0"/>
+                  <a:rPr lang="de-DE" dirty="0" err="1"/>
                   <a:t>graph</a:t>
                 </a:r>
-                <a:endParaRPr lang="de-DE" dirty="0" smtClean="0"/>
+                <a:endParaRPr lang="de-DE" dirty="0"/>
               </a:p>
               <a:p>
                 <a:r>
-                  <a:rPr lang="en-US" dirty="0" smtClean="0"/>
+                  <a:rPr lang="en-US" dirty="0"/>
                   <a:t>Solved crimes rate over time</a:t>
                 </a:r>
-                <a:endParaRPr lang="de-DE" dirty="0" smtClean="0"/>
+              </a:p>
+              <a:p>
+                <a:r>
+                  <a:rPr lang="en-US" dirty="0"/>
+                  <a:t>Aggregation of crimes in a specific area</a:t>
+                </a:r>
+                <a:endParaRPr lang="de-DE" dirty="0"/>
               </a:p>
               <a:p>
                 <a:pPr marL="0" indent="0">
                   <a:buNone/>
                 </a:pPr>
                 <a:r>
-                  <a:rPr lang="de-DE" dirty="0" smtClean="0"/>
+                  <a:rPr lang="de-DE" dirty="0"/>
                   <a:t> </a:t>
                 </a:r>
-                <a:endParaRPr lang="de-DE" dirty="0"/>
               </a:p>
               <a:p>
-                <a:endParaRPr lang="de-DE" dirty="0" smtClean="0"/>
+                <a:endParaRPr lang="de-DE" dirty="0"/>
               </a:p>
             </p:txBody>
           </p:sp>
         </mc:Choice>
-        <mc:Fallback xmlns="">
+        <mc:Fallback>
           <p:sp>
             <p:nvSpPr>
               <p:cNvPr id="3" name="Inhaltsplatzhalter 2"/>
@@ -3675,7 +3643,7 @@
               </p:nvPr>
             </p:nvSpPr>
             <p:spPr>
-              <a:blipFill rotWithShape="0">
+              <a:blipFill>
                 <a:blip r:embed="rId2"/>
                 <a:stretch>
                   <a:fillRect l="-1043" t="-2241"/>
@@ -3743,313 +3711,292 @@
           <a:lstStyle/>
           <a:p>
             <a:r>
-              <a:rPr lang="de-DE" dirty="0" err="1" smtClean="0"/>
-              <a:t>Possible</a:t>
-            </a:r>
-            <a:r>
-              <a:rPr lang="de-DE" dirty="0" smtClean="0"/>
-              <a:t> </a:t>
-            </a:r>
-            <a:r>
-              <a:rPr lang="de-DE" dirty="0" err="1" smtClean="0"/>
-              <a:t>questions</a:t>
-            </a:r>
-            <a:r>
-              <a:rPr lang="de-DE" dirty="0" smtClean="0"/>
-              <a:t> </a:t>
-            </a:r>
-            <a:r>
-              <a:rPr lang="de-DE" dirty="0" err="1" smtClean="0"/>
-              <a:t>to</a:t>
-            </a:r>
-            <a:r>
-              <a:rPr lang="de-DE" dirty="0" smtClean="0"/>
-              <a:t> </a:t>
-            </a:r>
-            <a:r>
-              <a:rPr lang="de-DE" dirty="0" err="1" smtClean="0"/>
-              <a:t>answer</a:t>
+              <a:rPr lang="en-US" dirty="0"/>
+              <a:t>Possible questions to analyze</a:t>
+            </a:r>
+          </a:p>
+        </p:txBody>
+      </p:sp>
+      <p:sp>
+        <p:nvSpPr>
+          <p:cNvPr id="3" name="Inhaltsplatzhalter 2"/>
+          <p:cNvSpPr>
+            <a:spLocks noGrp="1"/>
+          </p:cNvSpPr>
+          <p:nvPr>
+            <p:ph idx="1"/>
+          </p:nvPr>
+        </p:nvSpPr>
+        <p:spPr/>
+        <p:txBody>
+          <a:bodyPr/>
+          <a:lstStyle/>
+          <a:p>
+            <a:r>
+              <a:rPr lang="en-US" dirty="0"/>
+              <a:t>Which area has the highest crime risk?</a:t>
             </a:r>
             <a:endParaRPr lang="de-DE" dirty="0"/>
           </a:p>
-        </p:txBody>
-      </p:sp>
-      <p:sp>
-        <p:nvSpPr>
-          <p:cNvPr id="3" name="Inhaltsplatzhalter 2"/>
-          <p:cNvSpPr>
-            <a:spLocks noGrp="1"/>
-          </p:cNvSpPr>
-          <p:nvPr>
-            <p:ph idx="1"/>
-          </p:nvPr>
-        </p:nvSpPr>
-        <p:spPr/>
-        <p:txBody>
-          <a:bodyPr/>
-          <a:lstStyle/>
-          <a:p>
-            <a:r>
-              <a:rPr lang="en-US" dirty="0" smtClean="0"/>
-              <a:t>Areas with highest crime risk</a:t>
-            </a:r>
-            <a:endParaRPr lang="de-DE" dirty="0" smtClean="0"/>
-          </a:p>
-          <a:p>
-            <a:r>
-              <a:rPr lang="de-DE" dirty="0" smtClean="0"/>
-              <a:t>In </a:t>
-            </a:r>
-            <a:r>
-              <a:rPr lang="de-DE" dirty="0" err="1" smtClean="0"/>
-              <a:t>what</a:t>
-            </a:r>
-            <a:r>
-              <a:rPr lang="de-DE" dirty="0" smtClean="0"/>
-              <a:t> </a:t>
-            </a:r>
-            <a:r>
-              <a:rPr lang="de-DE" dirty="0" err="1" smtClean="0"/>
-              <a:t>areas</a:t>
-            </a:r>
-            <a:r>
-              <a:rPr lang="de-DE" dirty="0" smtClean="0"/>
-              <a:t> </a:t>
-            </a:r>
-            <a:r>
-              <a:rPr lang="de-DE" dirty="0" err="1" smtClean="0"/>
-              <a:t>is</a:t>
-            </a:r>
-            <a:r>
-              <a:rPr lang="de-DE" dirty="0" smtClean="0"/>
-              <a:t> a </a:t>
-            </a:r>
-            <a:r>
-              <a:rPr lang="de-DE" dirty="0" err="1" smtClean="0"/>
-              <a:t>crime</a:t>
-            </a:r>
-            <a:r>
-              <a:rPr lang="de-DE" dirty="0" smtClean="0"/>
-              <a:t> </a:t>
-            </a:r>
-            <a:r>
-              <a:rPr lang="de-DE" dirty="0" err="1" smtClean="0"/>
-              <a:t>offender</a:t>
-            </a:r>
-            <a:r>
-              <a:rPr lang="de-DE" dirty="0" smtClean="0"/>
-              <a:t> </a:t>
-            </a:r>
-            <a:r>
-              <a:rPr lang="de-DE" dirty="0" err="1" smtClean="0"/>
-              <a:t>most</a:t>
-            </a:r>
-            <a:r>
-              <a:rPr lang="de-DE" dirty="0" smtClean="0"/>
-              <a:t> </a:t>
-            </a:r>
-            <a:r>
-              <a:rPr lang="de-DE" dirty="0" err="1" smtClean="0"/>
-              <a:t>likely</a:t>
-            </a:r>
-            <a:r>
-              <a:rPr lang="de-DE" dirty="0" smtClean="0"/>
-              <a:t> </a:t>
-            </a:r>
-            <a:r>
-              <a:rPr lang="de-DE" dirty="0" err="1" smtClean="0"/>
-              <a:t>caught</a:t>
-            </a:r>
-            <a:r>
-              <a:rPr lang="de-DE" dirty="0" smtClean="0"/>
-              <a:t> </a:t>
-            </a:r>
-            <a:r>
-              <a:rPr lang="de-DE" dirty="0" err="1" smtClean="0"/>
-              <a:t>and</a:t>
-            </a:r>
-            <a:r>
-              <a:rPr lang="de-DE" dirty="0" smtClean="0"/>
-              <a:t> </a:t>
-            </a:r>
-            <a:r>
-              <a:rPr lang="de-DE" dirty="0" err="1" smtClean="0"/>
-              <a:t>prosecuted</a:t>
-            </a:r>
-            <a:endParaRPr lang="de-DE" dirty="0" smtClean="0"/>
-          </a:p>
-          <a:p>
-            <a:r>
-              <a:rPr lang="de-DE" dirty="0" smtClean="0"/>
+          <a:p>
+            <a:r>
+              <a:rPr lang="de-DE" dirty="0"/>
               <a:t>Gang </a:t>
             </a:r>
             <a:r>
-              <a:rPr lang="de-DE" dirty="0" err="1" smtClean="0"/>
+              <a:rPr lang="de-DE" dirty="0" err="1"/>
               <a:t>activities</a:t>
             </a:r>
             <a:r>
-              <a:rPr lang="de-DE" dirty="0" smtClean="0"/>
+              <a:rPr lang="de-DE" dirty="0"/>
               <a:t> / </a:t>
             </a:r>
             <a:r>
-              <a:rPr lang="de-DE" dirty="0" err="1" smtClean="0"/>
+              <a:rPr lang="de-DE" dirty="0" err="1"/>
               <a:t>ghetto</a:t>
-            </a:r>
-            <a:r>
-              <a:rPr lang="de-DE" dirty="0" smtClean="0"/>
-              <a:t> </a:t>
-            </a:r>
-            <a:r>
-              <a:rPr lang="de-DE" dirty="0" err="1" smtClean="0"/>
-              <a:t>development</a:t>
-            </a:r>
-            <a:r>
-              <a:rPr lang="de-DE" dirty="0" smtClean="0"/>
-              <a:t> </a:t>
-            </a:r>
-            <a:r>
-              <a:rPr lang="de-DE" dirty="0" err="1" smtClean="0"/>
-              <a:t>over</a:t>
-            </a:r>
-            <a:r>
-              <a:rPr lang="de-DE" dirty="0" smtClean="0"/>
-              <a:t> </a:t>
-            </a:r>
-            <a:r>
-              <a:rPr lang="de-DE" dirty="0" err="1" smtClean="0"/>
-              <a:t>years</a:t>
-            </a:r>
-            <a:endParaRPr lang="de-DE" dirty="0" smtClean="0"/>
-          </a:p>
-          <a:p>
-            <a:pPr lvl="1"/>
-            <a:r>
-              <a:rPr lang="de-DE" dirty="0" smtClean="0"/>
-              <a:t>Crime </a:t>
-            </a:r>
-            <a:r>
-              <a:rPr lang="de-DE" dirty="0" err="1" smtClean="0"/>
-              <a:t>rates</a:t>
-            </a:r>
-            <a:r>
-              <a:rPr lang="de-DE" dirty="0" smtClean="0"/>
-              <a:t> per </a:t>
-            </a:r>
-            <a:r>
-              <a:rPr lang="de-DE" dirty="0" err="1" smtClean="0"/>
-              <a:t>city</a:t>
-            </a:r>
-            <a:r>
-              <a:rPr lang="de-DE" dirty="0" smtClean="0"/>
-              <a:t> </a:t>
-            </a:r>
-            <a:r>
-              <a:rPr lang="de-DE" dirty="0" err="1" smtClean="0"/>
-              <a:t>district</a:t>
-            </a:r>
-            <a:r>
-              <a:rPr lang="de-DE" dirty="0" smtClean="0"/>
-              <a:t> </a:t>
-            </a:r>
-            <a:r>
-              <a:rPr lang="de-DE" dirty="0" err="1" smtClean="0"/>
-              <a:t>over</a:t>
-            </a:r>
-            <a:r>
-              <a:rPr lang="de-DE" dirty="0" smtClean="0"/>
-              <a:t> time</a:t>
-            </a:r>
-          </a:p>
-          <a:p>
-            <a:pPr lvl="1"/>
-            <a:r>
-              <a:rPr lang="de-DE" dirty="0" err="1" smtClean="0"/>
-              <a:t>Shifts</a:t>
-            </a:r>
-            <a:r>
-              <a:rPr lang="de-DE" dirty="0" smtClean="0"/>
-              <a:t> </a:t>
-            </a:r>
-            <a:r>
-              <a:rPr lang="de-DE" dirty="0" err="1" smtClean="0"/>
-              <a:t>over</a:t>
-            </a:r>
-            <a:r>
-              <a:rPr lang="de-DE" dirty="0" smtClean="0"/>
-              <a:t> time</a:t>
-            </a:r>
-          </a:p>
-          <a:p>
-            <a:r>
-              <a:rPr lang="de-DE" dirty="0" err="1" smtClean="0"/>
-              <a:t>Differences</a:t>
-            </a:r>
-            <a:r>
-              <a:rPr lang="de-DE" dirty="0" smtClean="0"/>
-              <a:t> </a:t>
-            </a:r>
-            <a:r>
-              <a:rPr lang="de-DE" dirty="0" err="1" smtClean="0"/>
-              <a:t>summer</a:t>
-            </a:r>
-            <a:r>
-              <a:rPr lang="de-DE" dirty="0" smtClean="0"/>
-              <a:t>/</a:t>
-            </a:r>
-            <a:r>
-              <a:rPr lang="de-DE" dirty="0" err="1" smtClean="0"/>
-              <a:t>winter</a:t>
             </a:r>
             <a:r>
               <a:rPr lang="de-DE" dirty="0"/>
               <a:t> </a:t>
             </a:r>
             <a:r>
-              <a:rPr lang="de-DE" dirty="0" err="1" smtClean="0"/>
+              <a:rPr lang="de-DE" dirty="0" err="1"/>
+              <a:t>development</a:t>
+            </a:r>
+            <a:r>
+              <a:rPr lang="de-DE" dirty="0"/>
+              <a:t> </a:t>
+            </a:r>
+            <a:r>
+              <a:rPr lang="de-DE" dirty="0" err="1"/>
+              <a:t>over</a:t>
+            </a:r>
+            <a:r>
+              <a:rPr lang="de-DE" dirty="0"/>
+              <a:t> </a:t>
+            </a:r>
+            <a:r>
+              <a:rPr lang="de-DE" dirty="0" err="1"/>
+              <a:t>years</a:t>
+            </a:r>
+            <a:endParaRPr lang="de-DE" dirty="0"/>
+          </a:p>
+          <a:p>
+            <a:pPr lvl="1"/>
+            <a:r>
+              <a:rPr lang="de-DE" dirty="0"/>
+              <a:t>Crime </a:t>
+            </a:r>
+            <a:r>
+              <a:rPr lang="de-DE" dirty="0" err="1"/>
+              <a:t>rates</a:t>
+            </a:r>
+            <a:r>
+              <a:rPr lang="de-DE" dirty="0"/>
+              <a:t> per </a:t>
+            </a:r>
+            <a:r>
+              <a:rPr lang="de-DE" dirty="0" err="1"/>
+              <a:t>city</a:t>
+            </a:r>
+            <a:r>
+              <a:rPr lang="de-DE" dirty="0"/>
+              <a:t> </a:t>
+            </a:r>
+            <a:r>
+              <a:rPr lang="de-DE" dirty="0" err="1"/>
+              <a:t>district</a:t>
+            </a:r>
+            <a:r>
+              <a:rPr lang="de-DE" dirty="0"/>
+              <a:t> </a:t>
+            </a:r>
+            <a:r>
+              <a:rPr lang="de-DE" dirty="0" err="1"/>
+              <a:t>over</a:t>
+            </a:r>
+            <a:r>
+              <a:rPr lang="de-DE" dirty="0"/>
+              <a:t> time</a:t>
+            </a:r>
+          </a:p>
+          <a:p>
+            <a:pPr lvl="1"/>
+            <a:r>
+              <a:rPr lang="de-DE" dirty="0" err="1"/>
+              <a:t>Shifts</a:t>
+            </a:r>
+            <a:r>
+              <a:rPr lang="de-DE" dirty="0"/>
+              <a:t> </a:t>
+            </a:r>
+            <a:r>
+              <a:rPr lang="de-DE" dirty="0" err="1"/>
+              <a:t>over</a:t>
+            </a:r>
+            <a:r>
+              <a:rPr lang="de-DE" dirty="0"/>
+              <a:t> time</a:t>
+            </a:r>
+          </a:p>
+          <a:p>
+            <a:r>
+              <a:rPr lang="de-DE" dirty="0"/>
+              <a:t>In </a:t>
+            </a:r>
+            <a:r>
+              <a:rPr lang="de-DE" dirty="0" err="1"/>
+              <a:t>what</a:t>
+            </a:r>
+            <a:r>
+              <a:rPr lang="de-DE" dirty="0"/>
+              <a:t> </a:t>
+            </a:r>
+            <a:r>
+              <a:rPr lang="de-DE" dirty="0" err="1"/>
+              <a:t>areas</a:t>
+            </a:r>
+            <a:r>
+              <a:rPr lang="de-DE" dirty="0"/>
+              <a:t> </a:t>
+            </a:r>
+            <a:r>
+              <a:rPr lang="de-DE" dirty="0" err="1"/>
+              <a:t>is</a:t>
+            </a:r>
+            <a:r>
+              <a:rPr lang="de-DE" dirty="0"/>
+              <a:t> a </a:t>
+            </a:r>
+            <a:r>
+              <a:rPr lang="de-DE" dirty="0" err="1"/>
+              <a:t>crime</a:t>
+            </a:r>
+            <a:r>
+              <a:rPr lang="de-DE" dirty="0"/>
+              <a:t> </a:t>
+            </a:r>
+            <a:r>
+              <a:rPr lang="de-DE" dirty="0" err="1"/>
+              <a:t>offender</a:t>
+            </a:r>
+            <a:r>
+              <a:rPr lang="de-DE" dirty="0"/>
+              <a:t> </a:t>
+            </a:r>
+            <a:r>
+              <a:rPr lang="de-DE" dirty="0" err="1"/>
+              <a:t>most</a:t>
+            </a:r>
+            <a:r>
+              <a:rPr lang="de-DE" dirty="0"/>
+              <a:t> </a:t>
+            </a:r>
+            <a:r>
+              <a:rPr lang="de-DE" dirty="0" err="1"/>
+              <a:t>likely</a:t>
+            </a:r>
+            <a:r>
+              <a:rPr lang="de-DE" dirty="0"/>
+              <a:t> </a:t>
+            </a:r>
+            <a:r>
+              <a:rPr lang="de-DE" dirty="0" err="1"/>
+              <a:t>caught</a:t>
+            </a:r>
+            <a:r>
+              <a:rPr lang="de-DE" dirty="0"/>
+              <a:t> </a:t>
+            </a:r>
+            <a:r>
+              <a:rPr lang="de-DE" dirty="0" err="1"/>
               <a:t>and</a:t>
             </a:r>
             <a:r>
-              <a:rPr lang="de-DE" dirty="0" smtClean="0"/>
+              <a:rPr lang="de-DE" dirty="0"/>
               <a:t> </a:t>
             </a:r>
             <a:r>
-              <a:rPr lang="de-DE" dirty="0" err="1" smtClean="0"/>
+              <a:rPr lang="de-DE" dirty="0" err="1"/>
+              <a:t>prosecuted</a:t>
+            </a:r>
+            <a:r>
+              <a:rPr lang="de-DE"/>
+              <a:t>?</a:t>
+            </a:r>
+            <a:endParaRPr lang="de-DE" dirty="0"/>
+          </a:p>
+          <a:p>
+            <a:r>
+              <a:rPr lang="de-DE" dirty="0" err="1"/>
+              <a:t>Differences</a:t>
+            </a:r>
+            <a:r>
+              <a:rPr lang="de-DE" dirty="0"/>
+              <a:t> </a:t>
+            </a:r>
+            <a:r>
+              <a:rPr lang="de-DE" dirty="0" err="1"/>
+              <a:t>summer</a:t>
+            </a:r>
+            <a:r>
+              <a:rPr lang="de-DE" dirty="0"/>
+              <a:t>/</a:t>
+            </a:r>
+            <a:r>
+              <a:rPr lang="de-DE" dirty="0" err="1"/>
+              <a:t>winter</a:t>
+            </a:r>
+            <a:r>
+              <a:rPr lang="de-DE" dirty="0"/>
+              <a:t> </a:t>
+            </a:r>
+            <a:r>
+              <a:rPr lang="de-DE" dirty="0" err="1"/>
+              <a:t>and</a:t>
+            </a:r>
+            <a:r>
+              <a:rPr lang="de-DE" dirty="0"/>
+              <a:t> </a:t>
+            </a:r>
+            <a:r>
+              <a:rPr lang="de-DE" dirty="0" err="1"/>
               <a:t>during</a:t>
             </a:r>
             <a:r>
-              <a:rPr lang="de-DE" dirty="0" smtClean="0"/>
+              <a:rPr lang="de-DE" dirty="0"/>
               <a:t> </a:t>
             </a:r>
             <a:r>
-              <a:rPr lang="de-DE" dirty="0" err="1" smtClean="0"/>
+              <a:rPr lang="de-DE" dirty="0" err="1"/>
               <a:t>special</a:t>
             </a:r>
             <a:r>
-              <a:rPr lang="de-DE" dirty="0" smtClean="0"/>
+              <a:rPr lang="de-DE" dirty="0"/>
               <a:t> </a:t>
             </a:r>
             <a:r>
-              <a:rPr lang="de-DE" dirty="0" err="1" smtClean="0"/>
+              <a:rPr lang="de-DE" dirty="0" err="1"/>
               <a:t>times</a:t>
             </a:r>
             <a:r>
-              <a:rPr lang="de-DE" dirty="0" smtClean="0"/>
+              <a:rPr lang="de-DE" dirty="0"/>
               <a:t> (</a:t>
             </a:r>
             <a:r>
-              <a:rPr lang="de-DE" dirty="0" err="1" smtClean="0"/>
+              <a:rPr lang="de-DE" dirty="0" err="1"/>
               <a:t>christmas</a:t>
             </a:r>
             <a:r>
-              <a:rPr lang="de-DE" dirty="0" smtClean="0"/>
+              <a:rPr lang="de-DE" dirty="0"/>
               <a:t>)</a:t>
             </a:r>
           </a:p>
           <a:p>
-            <a:endParaRPr lang="de-DE" dirty="0" smtClean="0"/>
-          </a:p>
-          <a:p>
-            <a:endParaRPr lang="de-DE" dirty="0" smtClean="0"/>
+            <a:endParaRPr lang="de-DE" dirty="0"/>
+          </a:p>
+          <a:p>
+            <a:endParaRPr lang="de-DE" dirty="0"/>
           </a:p>
         </p:txBody>
       </p:sp>
@@ -4057,6 +4004,63 @@
     <p:extLst>
       <p:ext uri="{BB962C8B-B14F-4D97-AF65-F5344CB8AC3E}">
         <p14:creationId xmlns:p14="http://schemas.microsoft.com/office/powerpoint/2010/main" val="3517286352"/>
+      </p:ext>
+    </p:extLst>
+  </p:cSld>
+  <p:clrMapOvr>
+    <a:masterClrMapping/>
+  </p:clrMapOvr>
+</p:sld>
+</file>
+
+<file path=ppt/slides/slide6.xml><?xml version="1.0" encoding="utf-8"?>
+<p:sld xmlns:a="http://schemas.openxmlformats.org/drawingml/2006/main" xmlns:r="http://schemas.openxmlformats.org/officeDocument/2006/relationships" xmlns:p="http://schemas.openxmlformats.org/presentationml/2006/main">
+  <p:cSld>
+    <p:spTree>
+      <p:nvGrpSpPr>
+        <p:cNvPr id="1" name=""/>
+        <p:cNvGrpSpPr/>
+        <p:nvPr/>
+      </p:nvGrpSpPr>
+      <p:grpSpPr>
+        <a:xfrm>
+          <a:off x="0" y="0"/>
+          <a:ext cx="0" cy="0"/>
+          <a:chOff x="0" y="0"/>
+          <a:chExt cx="0" cy="0"/>
+        </a:xfrm>
+      </p:grpSpPr>
+      <p:sp>
+        <p:nvSpPr>
+          <p:cNvPr id="2" name="Titel 1"/>
+          <p:cNvSpPr>
+            <a:spLocks noGrp="1"/>
+          </p:cNvSpPr>
+          <p:nvPr>
+            <p:ph type="ctrTitle"/>
+          </p:nvPr>
+        </p:nvSpPr>
+        <p:spPr>
+          <a:xfrm>
+            <a:off x="1481796" y="1122363"/>
+            <a:ext cx="9336258" cy="2387600"/>
+          </a:xfrm>
+        </p:spPr>
+        <p:txBody>
+          <a:bodyPr/>
+          <a:lstStyle/>
+          <a:p>
+            <a:r>
+              <a:rPr lang="en-US" dirty="0"/>
+              <a:t>Thank you for your attention!</a:t>
+            </a:r>
+          </a:p>
+        </p:txBody>
+      </p:sp>
+    </p:spTree>
+    <p:extLst>
+      <p:ext uri="{BB962C8B-B14F-4D97-AF65-F5344CB8AC3E}">
+        <p14:creationId xmlns:p14="http://schemas.microsoft.com/office/powerpoint/2010/main" val="1621321264"/>
       </p:ext>
     </p:extLst>
   </p:cSld>
